--- a/Documents/Presentation Slides/Reproducible reports Delva Group Seminar 29 Feb to 04 March.pptx
+++ b/Documents/Presentation Slides/Reproducible reports Delva Group Seminar 29 Feb to 04 March.pptx
@@ -16,23 +16,27 @@
     <p:sldId id="276" r:id="rId10"/>
     <p:sldId id="274" r:id="rId11"/>
     <p:sldId id="277" r:id="rId12"/>
-    <p:sldId id="286" r:id="rId13"/>
-    <p:sldId id="278" r:id="rId14"/>
-    <p:sldId id="263" r:id="rId15"/>
-    <p:sldId id="264" r:id="rId16"/>
-    <p:sldId id="282" r:id="rId17"/>
-    <p:sldId id="283" r:id="rId18"/>
-    <p:sldId id="279" r:id="rId19"/>
-    <p:sldId id="280" r:id="rId20"/>
-    <p:sldId id="281" r:id="rId21"/>
-    <p:sldId id="272" r:id="rId22"/>
-    <p:sldId id="262" r:id="rId23"/>
-    <p:sldId id="270" r:id="rId24"/>
-    <p:sldId id="271" r:id="rId25"/>
-    <p:sldId id="256" r:id="rId26"/>
-    <p:sldId id="257" r:id="rId27"/>
-    <p:sldId id="258" r:id="rId28"/>
-    <p:sldId id="269" r:id="rId29"/>
+    <p:sldId id="288" r:id="rId13"/>
+    <p:sldId id="290" r:id="rId14"/>
+    <p:sldId id="289" r:id="rId15"/>
+    <p:sldId id="286" r:id="rId16"/>
+    <p:sldId id="278" r:id="rId17"/>
+    <p:sldId id="263" r:id="rId18"/>
+    <p:sldId id="287" r:id="rId19"/>
+    <p:sldId id="264" r:id="rId20"/>
+    <p:sldId id="282" r:id="rId21"/>
+    <p:sldId id="283" r:id="rId22"/>
+    <p:sldId id="279" r:id="rId23"/>
+    <p:sldId id="280" r:id="rId24"/>
+    <p:sldId id="281" r:id="rId25"/>
+    <p:sldId id="272" r:id="rId26"/>
+    <p:sldId id="262" r:id="rId27"/>
+    <p:sldId id="270" r:id="rId28"/>
+    <p:sldId id="271" r:id="rId29"/>
+    <p:sldId id="256" r:id="rId30"/>
+    <p:sldId id="257" r:id="rId31"/>
+    <p:sldId id="258" r:id="rId32"/>
+    <p:sldId id="269" r:id="rId33"/>
   </p:sldIdLst>
   <p:sldSz cx="9144000" cy="6858000" type="screen4x3"/>
   <p:notesSz cx="6858000" cy="9144000"/>
@@ -414,7 +418,7 @@
             <a:fld id="{54AB02A5-4FE5-49D9-9E24-09F23B90C450}" type="datetimeFigureOut">
               <a:rPr lang="en-US" smtClean="0"/>
               <a:pPr/>
-              <a:t>2/10/16</a:t>
+              <a:t>2/11/16</a:t>
             </a:fld>
             <a:endParaRPr lang="en-US"/>
           </a:p>
@@ -807,7 +811,7 @@
             <a:fld id="{888780C8-9CD8-CB44-92F4-3321114125F6}" type="datetimeFigureOut">
               <a:rPr lang="en-US"/>
               <a:pPr/>
-              <a:t>2/10/16</a:t>
+              <a:t>2/11/16</a:t>
             </a:fld>
             <a:endParaRPr lang="en-US"/>
           </a:p>
@@ -1342,7 +1346,7 @@
             <a:fld id="{888780C8-9CD8-CB44-92F4-3321114125F6}" type="datetimeFigureOut">
               <a:rPr lang="en-US"/>
               <a:pPr/>
-              <a:t>2/10/16</a:t>
+              <a:t>2/11/16</a:t>
             </a:fld>
             <a:endParaRPr lang="en-US"/>
           </a:p>
@@ -1474,7 +1478,7 @@
             <a:fld id="{888780C8-9CD8-CB44-92F4-3321114125F6}" type="datetimeFigureOut">
               <a:rPr lang="en-US"/>
               <a:pPr/>
-              <a:t>2/10/16</a:t>
+              <a:t>2/11/16</a:t>
             </a:fld>
             <a:endParaRPr lang="en-US"/>
           </a:p>
@@ -2019,7 +2023,7 @@
             <a:fld id="{54AB02A5-4FE5-49D9-9E24-09F23B90C450}" type="datetimeFigureOut">
               <a:rPr lang="en-US" smtClean="0"/>
               <a:pPr/>
-              <a:t>2/10/16</a:t>
+              <a:t>2/11/16</a:t>
             </a:fld>
             <a:endParaRPr lang="en-US"/>
           </a:p>
@@ -2314,7 +2318,7 @@
             <a:fld id="{888780C8-9CD8-CB44-92F4-3321114125F6}" type="datetimeFigureOut">
               <a:rPr lang="en-US"/>
               <a:pPr/>
-              <a:t>2/10/16</a:t>
+              <a:t>2/11/16</a:t>
             </a:fld>
             <a:endParaRPr lang="en-US"/>
           </a:p>
@@ -2975,7 +2979,7 @@
             <a:fld id="{888780C8-9CD8-CB44-92F4-3321114125F6}" type="datetimeFigureOut">
               <a:rPr lang="en-US"/>
               <a:pPr/>
-              <a:t>2/10/16</a:t>
+              <a:t>2/11/16</a:t>
             </a:fld>
             <a:endParaRPr lang="en-US"/>
           </a:p>
@@ -3411,7 +3415,7 @@
             <a:fld id="{888780C8-9CD8-CB44-92F4-3321114125F6}" type="datetimeFigureOut">
               <a:rPr lang="en-US"/>
               <a:pPr/>
-              <a:t>2/10/16</a:t>
+              <a:t>2/11/16</a:t>
             </a:fld>
             <a:endParaRPr lang="en-US"/>
           </a:p>
@@ -3726,7 +3730,7 @@
             <a:fld id="{888780C8-9CD8-CB44-92F4-3321114125F6}" type="datetimeFigureOut">
               <a:rPr lang="en-US"/>
               <a:pPr/>
-              <a:t>2/10/16</a:t>
+              <a:t>2/11/16</a:t>
             </a:fld>
             <a:endParaRPr lang="en-US"/>
           </a:p>
@@ -4460,7 +4464,7 @@
             <a:fld id="{888780C8-9CD8-CB44-92F4-3321114125F6}" type="datetimeFigureOut">
               <a:rPr lang="en-US"/>
               <a:pPr/>
-              <a:t>2/10/16</a:t>
+              <a:t>2/11/16</a:t>
             </a:fld>
             <a:endParaRPr lang="en-US"/>
           </a:p>
@@ -5124,7 +5128,7 @@
             <a:fld id="{888780C8-9CD8-CB44-92F4-3321114125F6}" type="datetimeFigureOut">
               <a:rPr lang="en-US"/>
               <a:pPr/>
-              <a:t>2/10/16</a:t>
+              <a:t>2/11/16</a:t>
             </a:fld>
             <a:endParaRPr lang="en-US"/>
           </a:p>
@@ -5398,7 +5402,7 @@
             <a:fld id="{888780C8-9CD8-CB44-92F4-3321114125F6}" type="datetimeFigureOut">
               <a:rPr lang="en-US"/>
               <a:pPr/>
-              <a:t>2/10/16</a:t>
+              <a:t>2/11/16</a:t>
             </a:fld>
             <a:endParaRPr lang="en-US"/>
           </a:p>
@@ -6391,11 +6395,7 @@
             </a:pPr>
             <a:r>
               <a:rPr lang="en-US"/>
-              <a:t>g</a:t>
-            </a:r>
-            <a:r>
-              <a:rPr lang="en-US"/>
-              <a:t>it config --global user.email “email address registered with GitHub”</a:t>
+              <a:t>git config --global user.email “email address registered with GitHub”</a:t>
             </a:r>
           </a:p>
           <a:p>
@@ -6419,6 +6419,13 @@
   <p:clrMapOvr>
     <a:masterClrMapping/>
   </p:clrMapOvr>
+  <p:timing>
+    <p:tnLst>
+      <p:par>
+        <p:cTn id="1" dur="indefinite" restart="never" nodeType="tmRoot"/>
+      </p:par>
+    </p:tnLst>
+  </p:timing>
 </p:sld>
 </file>
 
@@ -6456,7 +6463,7 @@
           <a:p>
             <a:r>
               <a:rPr lang="en-US"/>
-              <a:t>Directions continued</a:t>
+              <a:t>Git Directions Continued</a:t>
             </a:r>
           </a:p>
         </p:txBody>
@@ -6469,8 +6476,8 @@
         </p:nvSpPr>
         <p:spPr>
           <a:xfrm>
-            <a:off x="658498" y="1397314"/>
-            <a:ext cx="7854932" cy="5078314"/>
+            <a:off x="1363728" y="1449369"/>
+            <a:ext cx="6391821" cy="3939541"/>
           </a:xfrm>
           <a:prstGeom prst="rect">
             <a:avLst/>
@@ -6540,7 +6547,7 @@
             </a:pPr>
             <a:r>
               <a:rPr lang="en-US"/>
-              <a:t>7. Go back to GitHub and create a new repository</a:t>
+              <a:t>7. Initialize new repository on GitHub</a:t>
             </a:r>
           </a:p>
           <a:p>
@@ -6565,7 +6572,7 @@
             </a:pPr>
             <a:r>
               <a:rPr lang="en-US"/>
-              <a:t> Create project &gt; Version Control &gt; Add URL created by GitHub and select the location of the local subdirectory you want to use</a:t>
+              <a:t> Create project &gt; Version Control &gt; Git  &gt; Past URL from repository on Git Hub &gt; and select the location of the local subdirectory</a:t>
             </a:r>
           </a:p>
           <a:p>
@@ -6578,9 +6585,1096 @@
             </a:pPr>
             <a:r>
               <a:rPr lang="en-US"/>
-              <a:t> I used my Code/Scripts local directory</a:t>
-            </a:r>
-          </a:p>
+              <a:t> I used Analytical Projects/RepoWorkFlow</a:t>
+            </a:r>
+          </a:p>
+        </p:txBody>
+      </p:sp>
+    </p:spTree>
+  </p:cSld>
+  <p:clrMapOvr>
+    <a:masterClrMapping/>
+  </p:clrMapOvr>
+  <p:timing>
+    <p:tnLst>
+      <p:par>
+        <p:cTn id="1" dur="indefinite" restart="never" nodeType="tmRoot"/>
+      </p:par>
+    </p:tnLst>
+  </p:timing>
+</p:sld>
+</file>
+
+<file path=ppt/slides/slide12.xml><?xml version="1.0" encoding="utf-8"?>
+<p:sld xmlns:a="http://schemas.openxmlformats.org/drawingml/2006/main" xmlns:r="http://schemas.openxmlformats.org/officeDocument/2006/relationships" xmlns:mc="http://schemas.openxmlformats.org/markup-compatibility/2006" xmlns:mv="urn:schemas-microsoft-com:mac:vml" xmlns:p="http://schemas.openxmlformats.org/presentationml/2006/main" mc:Ignorable="mv" mc:PreserveAttributes="mv:*">
+  <p:cSld>
+    <p:spTree>
+      <p:nvGrpSpPr>
+        <p:cNvPr id="1" name=""/>
+        <p:cNvGrpSpPr/>
+        <p:nvPr/>
+      </p:nvGrpSpPr>
+      <p:grpSpPr>
+        <a:xfrm>
+          <a:off x="0" y="0"/>
+          <a:ext cx="0" cy="0"/>
+          <a:chOff x="0" y="0"/>
+          <a:chExt cx="0" cy="0"/>
+        </a:xfrm>
+      </p:grpSpPr>
+      <p:sp>
+        <p:nvSpPr>
+          <p:cNvPr id="4" name="Title 3"/>
+          <p:cNvSpPr>
+            <a:spLocks noGrp="1"/>
+          </p:cNvSpPr>
+          <p:nvPr>
+            <p:ph type="title"/>
+          </p:nvPr>
+        </p:nvSpPr>
+        <p:spPr/>
+        <p:txBody>
+          <a:bodyPr/>
+          <a:lstStyle/>
+          <a:p>
+            <a:r>
+              <a:rPr lang="en-US"/>
+              <a:t>Quick Side Note about ‘Projects’ in Rstudio</a:t>
+            </a:r>
+          </a:p>
+        </p:txBody>
+      </p:sp>
+      <p:sp>
+        <p:nvSpPr>
+          <p:cNvPr id="6" name="Text Placeholder 5"/>
+          <p:cNvSpPr>
+            <a:spLocks noGrp="1"/>
+          </p:cNvSpPr>
+          <p:nvPr>
+            <p:ph sz="quarter" idx="1"/>
+          </p:nvPr>
+        </p:nvSpPr>
+        <p:spPr/>
+        <p:txBody>
+          <a:bodyPr>
+            <a:normAutofit/>
+          </a:bodyPr>
+          <a:lstStyle/>
+          <a:p>
+            <a:r>
+              <a:rPr lang="en-US" sz="1800"/>
+              <a:t>Allows you to divide work into different contexts, each having its own working directory, workspace, history and source documents.</a:t>
+            </a:r>
+          </a:p>
+          <a:p>
+            <a:endParaRPr lang="en-US" sz="1800"/>
+          </a:p>
+          <a:p>
+            <a:r>
+              <a:rPr lang="en-US" sz="1800"/>
+              <a:t>Can be created:</a:t>
+            </a:r>
+          </a:p>
+          <a:p>
+            <a:pPr marL="342900" indent="-342900">
+              <a:buFont typeface="+mj-lt"/>
+              <a:buAutoNum type="arabicPeriod"/>
+            </a:pPr>
+            <a:r>
+              <a:rPr lang="en-US" sz="1800"/>
+              <a:t>In a brand new directory</a:t>
+            </a:r>
+          </a:p>
+          <a:p>
+            <a:pPr marL="342900" indent="-342900">
+              <a:buFont typeface="+mj-lt"/>
+              <a:buAutoNum type="arabicPeriod"/>
+            </a:pPr>
+            <a:r>
+              <a:rPr lang="en-US" sz="1800"/>
+              <a:t>In an existing directory</a:t>
+            </a:r>
+          </a:p>
+          <a:p>
+            <a:pPr marL="342900" indent="-342900">
+              <a:buFont typeface="+mj-lt"/>
+              <a:buAutoNum type="arabicPeriod"/>
+            </a:pPr>
+            <a:r>
+              <a:rPr lang="en-US" sz="1800"/>
+              <a:t>By cloning a version control repository</a:t>
+            </a:r>
+          </a:p>
+          <a:p>
+            <a:pPr marL="342900" indent="-342900">
+              <a:buFont typeface="+mj-lt"/>
+              <a:buAutoNum type="arabicPeriod"/>
+            </a:pPr>
+            <a:endParaRPr lang="en-US" sz="1800"/>
+          </a:p>
+          <a:p>
+            <a:pPr marL="342900" indent="-342900"/>
+            <a:r>
+              <a:rPr lang="en-US" sz="1800"/>
+              <a:t>When a project is created:</a:t>
+            </a:r>
+          </a:p>
+          <a:p>
+            <a:pPr marL="342900" indent="-342900">
+              <a:buFont typeface="+mj-lt"/>
+              <a:buAutoNum type="arabicPeriod"/>
+            </a:pPr>
+            <a:r>
+              <a:rPr lang="en-US" sz="1800"/>
+              <a:t>Creates project file</a:t>
+            </a:r>
+          </a:p>
+          <a:p>
+            <a:pPr marL="342900" indent="-342900">
+              <a:buFont typeface="+mj-lt"/>
+              <a:buAutoNum type="arabicPeriod"/>
+            </a:pPr>
+            <a:r>
+              <a:rPr lang="en-US" sz="1800"/>
+              <a:t>Creates hidden directory</a:t>
+            </a:r>
+          </a:p>
+          <a:p>
+            <a:pPr marL="342900" indent="-342900">
+              <a:buFont typeface="+mj-lt"/>
+              <a:buAutoNum type="arabicPeriod"/>
+            </a:pPr>
+            <a:r>
+              <a:rPr lang="en-US" sz="1800"/>
+              <a:t>Loads project into Rstudio</a:t>
+            </a:r>
+          </a:p>
+        </p:txBody>
+      </p:sp>
+      <p:sp>
+        <p:nvSpPr>
+          <p:cNvPr id="17" name="Line Callout 3 (No Border) 16"/>
+          <p:cNvSpPr/>
+          <p:nvPr/>
+        </p:nvSpPr>
+        <p:spPr>
+          <a:xfrm>
+            <a:off x="5808854" y="2771598"/>
+            <a:ext cx="2279819" cy="2308324"/>
+          </a:xfrm>
+          <a:prstGeom prst="callout3">
+            <a:avLst/>
+          </a:prstGeom>
+        </p:spPr>
+        <p:style>
+          <a:lnRef idx="1">
+            <a:schemeClr val="accent1"/>
+          </a:lnRef>
+          <a:fillRef idx="3">
+            <a:schemeClr val="accent1"/>
+          </a:fillRef>
+          <a:effectRef idx="2">
+            <a:schemeClr val="accent1"/>
+          </a:effectRef>
+          <a:fontRef idx="minor">
+            <a:schemeClr val="lt1"/>
+          </a:fontRef>
+        </p:style>
+        <p:txBody>
+          <a:bodyPr rtlCol="0" anchor="ctr"/>
+          <a:lstStyle/>
+          <a:p>
+            <a:pPr algn="ctr"/>
+            <a:endParaRPr lang="en-US"/>
+          </a:p>
+        </p:txBody>
+      </p:sp>
+      <p:sp>
+        <p:nvSpPr>
+          <p:cNvPr id="18" name="TextBox 17"/>
+          <p:cNvSpPr txBox="1"/>
+          <p:nvPr/>
+        </p:nvSpPr>
+        <p:spPr>
+          <a:xfrm>
+            <a:off x="5808854" y="2771597"/>
+            <a:ext cx="2279819" cy="2308324"/>
+          </a:xfrm>
+          <a:prstGeom prst="rect">
+            <a:avLst/>
+          </a:prstGeom>
+          <a:noFill/>
+        </p:spPr>
+        <p:txBody>
+          <a:bodyPr wrap="square" rtlCol="0">
+            <a:spAutoFit/>
+          </a:bodyPr>
+          <a:lstStyle/>
+          <a:p>
+            <a:pPr algn="ctr"/>
+            <a:r>
+              <a:rPr lang="en-US" sz="2400"/>
+              <a:t>No need to set your working directory in scripts, making relative paths easier!</a:t>
+            </a:r>
+          </a:p>
+        </p:txBody>
+      </p:sp>
+      <p:grpSp>
+        <p:nvGrpSpPr>
+          <p:cNvPr id="19" name="Group 18"/>
+          <p:cNvGrpSpPr/>
+          <p:nvPr/>
+        </p:nvGrpSpPr>
+        <p:grpSpPr>
+          <a:xfrm>
+            <a:off x="3407441" y="5267074"/>
+            <a:ext cx="2857408" cy="1377238"/>
+            <a:chOff x="8303645" y="3268794"/>
+            <a:chExt cx="2857408" cy="1377238"/>
+          </a:xfrm>
+        </p:grpSpPr>
+        <p:sp>
+          <p:nvSpPr>
+            <p:cNvPr id="20" name="Wave 19"/>
+            <p:cNvSpPr/>
+            <p:nvPr/>
+          </p:nvSpPr>
+          <p:spPr>
+            <a:xfrm>
+              <a:off x="8303645" y="3268794"/>
+              <a:ext cx="2857408" cy="1377238"/>
+            </a:xfrm>
+            <a:prstGeom prst="wave">
+              <a:avLst/>
+            </a:prstGeom>
+          </p:spPr>
+          <p:style>
+            <a:lnRef idx="2">
+              <a:schemeClr val="accent6">
+                <a:shade val="50000"/>
+              </a:schemeClr>
+            </a:lnRef>
+            <a:fillRef idx="1">
+              <a:schemeClr val="accent6"/>
+            </a:fillRef>
+            <a:effectRef idx="0">
+              <a:schemeClr val="accent6"/>
+            </a:effectRef>
+            <a:fontRef idx="minor">
+              <a:schemeClr val="lt1"/>
+            </a:fontRef>
+          </p:style>
+          <p:txBody>
+            <a:bodyPr rtlCol="0" anchor="ctr"/>
+            <a:lstStyle/>
+            <a:p>
+              <a:pPr algn="ctr"/>
+              <a:endParaRPr lang="en-US"/>
+            </a:p>
+          </p:txBody>
+        </p:sp>
+        <p:sp>
+          <p:nvSpPr>
+            <p:cNvPr id="21" name="TextBox 20"/>
+            <p:cNvSpPr txBox="1"/>
+            <p:nvPr/>
+          </p:nvSpPr>
+          <p:spPr>
+            <a:xfrm>
+              <a:off x="8303645" y="3676953"/>
+              <a:ext cx="2857408" cy="523220"/>
+            </a:xfrm>
+            <a:prstGeom prst="rect">
+              <a:avLst/>
+            </a:prstGeom>
+            <a:noFill/>
+          </p:spPr>
+          <p:txBody>
+            <a:bodyPr wrap="square" rtlCol="0">
+              <a:spAutoFit/>
+            </a:bodyPr>
+            <a:lstStyle/>
+            <a:p>
+              <a:pPr algn="ctr"/>
+              <a:r>
+                <a:rPr lang="en-US" sz="2800">
+                  <a:ln w="18415" cmpd="sng">
+                    <a:solidFill>
+                      <a:srgbClr val="FFFFFF"/>
+                    </a:solidFill>
+                    <a:prstDash val="solid"/>
+                  </a:ln>
+                  <a:solidFill>
+                    <a:srgbClr val="FFFFFF"/>
+                  </a:solidFill>
+                  <a:effectLst>
+                    <a:outerShdw blurRad="63500" dir="3600000" algn="tl" rotWithShape="0">
+                      <a:srgbClr val="000000">
+                        <a:alpha val="70000"/>
+                      </a:srgbClr>
+                    </a:outerShdw>
+                  </a:effectLst>
+                </a:rPr>
+                <a:t>Portability</a:t>
+              </a:r>
+              <a:endParaRPr lang="en-US" sz="2800" b="1">
+                <a:ln w="19050">
+                  <a:solidFill>
+                    <a:schemeClr val="tx2">
+                      <a:tint val="1000"/>
+                    </a:schemeClr>
+                  </a:solidFill>
+                  <a:prstDash val="solid"/>
+                </a:ln>
+                <a:solidFill>
+                  <a:schemeClr val="accent3"/>
+                </a:solidFill>
+                <a:effectLst>
+                  <a:outerShdw blurRad="50000" dist="50800" dir="7500000" algn="tl">
+                    <a:srgbClr val="000000">
+                      <a:shade val="5000"/>
+                      <a:alpha val="35000"/>
+                    </a:srgbClr>
+                  </a:outerShdw>
+                </a:effectLst>
+              </a:endParaRPr>
+            </a:p>
+          </p:txBody>
+        </p:sp>
+      </p:grpSp>
+    </p:spTree>
+  </p:cSld>
+  <p:clrMapOvr>
+    <a:masterClrMapping/>
+  </p:clrMapOvr>
+  <p:timing>
+    <p:tnLst>
+      <p:par>
+        <p:cTn id="1" dur="indefinite" restart="never" nodeType="tmRoot">
+          <p:childTnLst>
+            <p:seq concurrent="1" nextAc="seek">
+              <p:cTn id="2" dur="indefinite" nodeType="mainSeq">
+                <p:childTnLst>
+                  <p:par>
+                    <p:cTn id="3" fill="hold">
+                      <p:stCondLst>
+                        <p:cond delay="indefinite"/>
+                      </p:stCondLst>
+                      <p:childTnLst>
+                        <p:par>
+                          <p:cTn id="4" fill="hold">
+                            <p:stCondLst>
+                              <p:cond delay="0"/>
+                            </p:stCondLst>
+                            <p:childTnLst>
+                              <p:par>
+                                <p:cTn id="5" presetID="1" presetClass="entr" presetSubtype="0" fill="hold" nodeType="clickEffect">
+                                  <p:stCondLst>
+                                    <p:cond delay="0"/>
+                                  </p:stCondLst>
+                                  <p:childTnLst>
+                                    <p:set>
+                                      <p:cBhvr>
+                                        <p:cTn id="6" dur="1" fill="hold">
+                                          <p:stCondLst>
+                                            <p:cond delay="0"/>
+                                          </p:stCondLst>
+                                        </p:cTn>
+                                        <p:tgtEl>
+                                          <p:spTgt spid="19"/>
+                                        </p:tgtEl>
+                                        <p:attrNameLst>
+                                          <p:attrName>style.visibility</p:attrName>
+                                        </p:attrNameLst>
+                                      </p:cBhvr>
+                                      <p:to>
+                                        <p:strVal val="visible"/>
+                                      </p:to>
+                                    </p:set>
+                                  </p:childTnLst>
+                                </p:cTn>
+                              </p:par>
+                            </p:childTnLst>
+                          </p:cTn>
+                        </p:par>
+                      </p:childTnLst>
+                    </p:cTn>
+                  </p:par>
+                  <p:par>
+                    <p:cTn id="7" fill="hold">
+                      <p:stCondLst>
+                        <p:cond delay="indefinite"/>
+                      </p:stCondLst>
+                      <p:childTnLst>
+                        <p:par>
+                          <p:cTn id="8" fill="hold">
+                            <p:stCondLst>
+                              <p:cond delay="0"/>
+                            </p:stCondLst>
+                            <p:childTnLst>
+                              <p:par>
+                                <p:cTn id="9" presetID="1" presetClass="entr" presetSubtype="0" fill="hold" nodeType="clickEffect">
+                                  <p:stCondLst>
+                                    <p:cond delay="0"/>
+                                  </p:stCondLst>
+                                  <p:childTnLst>
+                                    <p:set>
+                                      <p:cBhvr>
+                                        <p:cTn id="10" dur="1" fill="hold">
+                                          <p:stCondLst>
+                                            <p:cond delay="0"/>
+                                          </p:stCondLst>
+                                        </p:cTn>
+                                        <p:tgtEl>
+                                          <p:spTgt spid="19"/>
+                                        </p:tgtEl>
+                                        <p:attrNameLst>
+                                          <p:attrName>style.visibility</p:attrName>
+                                        </p:attrNameLst>
+                                      </p:cBhvr>
+                                      <p:to>
+                                        <p:strVal val="visible"/>
+                                      </p:to>
+                                    </p:set>
+                                  </p:childTnLst>
+                                </p:cTn>
+                              </p:par>
+                            </p:childTnLst>
+                          </p:cTn>
+                        </p:par>
+                      </p:childTnLst>
+                    </p:cTn>
+                  </p:par>
+                  <p:par>
+                    <p:cTn id="11" fill="hold">
+                      <p:stCondLst>
+                        <p:cond delay="indefinite"/>
+                      </p:stCondLst>
+                      <p:childTnLst>
+                        <p:par>
+                          <p:cTn id="12" fill="hold">
+                            <p:stCondLst>
+                              <p:cond delay="0"/>
+                            </p:stCondLst>
+                            <p:childTnLst>
+                              <p:par>
+                                <p:cTn id="13" presetID="10" presetClass="entr" presetSubtype="0" fill="hold" nodeType="clickEffect">
+                                  <p:stCondLst>
+                                    <p:cond delay="0"/>
+                                  </p:stCondLst>
+                                  <p:childTnLst>
+                                    <p:set>
+                                      <p:cBhvr>
+                                        <p:cTn id="14" dur="1" fill="hold">
+                                          <p:stCondLst>
+                                            <p:cond delay="0"/>
+                                          </p:stCondLst>
+                                        </p:cTn>
+                                        <p:tgtEl>
+                                          <p:spTgt spid="19"/>
+                                        </p:tgtEl>
+                                        <p:attrNameLst>
+                                          <p:attrName>style.visibility</p:attrName>
+                                        </p:attrNameLst>
+                                      </p:cBhvr>
+                                      <p:to>
+                                        <p:strVal val="visible"/>
+                                      </p:to>
+                                    </p:set>
+                                    <p:animEffect transition="in" filter="fade">
+                                      <p:cBhvr>
+                                        <p:cTn id="15" dur="2000"/>
+                                        <p:tgtEl>
+                                          <p:spTgt spid="19"/>
+                                        </p:tgtEl>
+                                      </p:cBhvr>
+                                    </p:animEffect>
+                                  </p:childTnLst>
+                                </p:cTn>
+                              </p:par>
+                            </p:childTnLst>
+                          </p:cTn>
+                        </p:par>
+                      </p:childTnLst>
+                    </p:cTn>
+                  </p:par>
+                </p:childTnLst>
+              </p:cTn>
+              <p:prevCondLst>
+                <p:cond evt="onPrev" delay="0">
+                  <p:tgtEl>
+                    <p:sldTgt/>
+                  </p:tgtEl>
+                </p:cond>
+              </p:prevCondLst>
+              <p:nextCondLst>
+                <p:cond evt="onNext" delay="0">
+                  <p:tgtEl>
+                    <p:sldTgt/>
+                  </p:tgtEl>
+                </p:cond>
+              </p:nextCondLst>
+            </p:seq>
+          </p:childTnLst>
+        </p:cTn>
+      </p:par>
+    </p:tnLst>
+  </p:timing>
+</p:sld>
+</file>
+
+<file path=ppt/slides/slide13.xml><?xml version="1.0" encoding="utf-8"?>
+<p:sld xmlns:a="http://schemas.openxmlformats.org/drawingml/2006/main" xmlns:r="http://schemas.openxmlformats.org/officeDocument/2006/relationships" xmlns:mc="http://schemas.openxmlformats.org/markup-compatibility/2006" xmlns:mv="urn:schemas-microsoft-com:mac:vml" xmlns:p="http://schemas.openxmlformats.org/presentationml/2006/main" mc:Ignorable="mv" mc:PreserveAttributes="mv:*">
+  <p:cSld>
+    <p:spTree>
+      <p:nvGrpSpPr>
+        <p:cNvPr id="1" name=""/>
+        <p:cNvGrpSpPr/>
+        <p:nvPr/>
+      </p:nvGrpSpPr>
+      <p:grpSpPr>
+        <a:xfrm>
+          <a:off x="0" y="0"/>
+          <a:ext cx="0" cy="0"/>
+          <a:chOff x="0" y="0"/>
+          <a:chExt cx="0" cy="0"/>
+        </a:xfrm>
+      </p:grpSpPr>
+      <p:pic>
+        <p:nvPicPr>
+          <p:cNvPr id="8" name="Content Placeholder 7" descr="Screen Shot 2016-02-11 at 2.08.21 PM.png"/>
+          <p:cNvPicPr>
+            <a:picLocks noGrp="1" noChangeAspect="1"/>
+          </p:cNvPicPr>
+          <p:nvPr>
+            <p:ph sz="quarter" idx="4294967295"/>
+          </p:nvPr>
+        </p:nvPicPr>
+        <p:blipFill>
+          <a:blip r:embed="rId2"/>
+          <a:srcRect l="1599" r="516"/>
+          <a:stretch>
+            <a:fillRect/>
+          </a:stretch>
+        </p:blipFill>
+        <p:spPr>
+          <a:xfrm>
+            <a:off x="4921698" y="3322404"/>
+            <a:ext cx="3972983" cy="2820913"/>
+          </a:xfrm>
+        </p:spPr>
+      </p:pic>
+      <p:pic>
+        <p:nvPicPr>
+          <p:cNvPr id="5" name="Picture 4" descr="Screen Shot 2016-02-11 at 1.44.29 PM.png"/>
+          <p:cNvPicPr>
+            <a:picLocks noChangeAspect="1"/>
+          </p:cNvPicPr>
+          <p:nvPr/>
+        </p:nvPicPr>
+        <p:blipFill>
+          <a:blip r:embed="rId3"/>
+          <a:stretch>
+            <a:fillRect/>
+          </a:stretch>
+        </p:blipFill>
+        <p:spPr>
+          <a:xfrm>
+            <a:off x="86243" y="134905"/>
+            <a:ext cx="4357346" cy="2961217"/>
+          </a:xfrm>
+          <a:prstGeom prst="rect">
+            <a:avLst/>
+          </a:prstGeom>
+        </p:spPr>
+      </p:pic>
+      <p:pic>
+        <p:nvPicPr>
+          <p:cNvPr id="6" name="Picture 5" descr="Screen Shot 2016-02-11 at 1.47.12 PM.png"/>
+          <p:cNvPicPr>
+            <a:picLocks noChangeAspect="1"/>
+          </p:cNvPicPr>
+          <p:nvPr/>
+        </p:nvPicPr>
+        <p:blipFill>
+          <a:blip r:embed="rId4"/>
+          <a:srcRect r="5072"/>
+          <a:stretch>
+            <a:fillRect/>
+          </a:stretch>
+        </p:blipFill>
+        <p:spPr>
+          <a:xfrm>
+            <a:off x="1106436" y="5994020"/>
+            <a:ext cx="6034327" cy="827116"/>
+          </a:xfrm>
+          <a:prstGeom prst="rect">
+            <a:avLst/>
+          </a:prstGeom>
+        </p:spPr>
+      </p:pic>
+      <p:pic>
+        <p:nvPicPr>
+          <p:cNvPr id="9" name="Picture 8" descr="Screen Shot 2016-02-11 at 2.06.20 PM.png"/>
+          <p:cNvPicPr>
+            <a:picLocks noChangeAspect="1"/>
+          </p:cNvPicPr>
+          <p:nvPr/>
+        </p:nvPicPr>
+        <p:blipFill>
+          <a:blip r:embed="rId5"/>
+          <a:stretch>
+            <a:fillRect/>
+          </a:stretch>
+        </p:blipFill>
+        <p:spPr>
+          <a:xfrm>
+            <a:off x="86243" y="3322404"/>
+            <a:ext cx="3765506" cy="2671616"/>
+          </a:xfrm>
+          <a:prstGeom prst="rect">
+            <a:avLst/>
+          </a:prstGeom>
+        </p:spPr>
+      </p:pic>
+      <p:pic>
+        <p:nvPicPr>
+          <p:cNvPr id="10" name="Picture 9" descr="Screen Shot 2016-02-11 at 2.05.55 PM.png"/>
+          <p:cNvPicPr>
+            <a:picLocks noChangeAspect="1"/>
+          </p:cNvPicPr>
+          <p:nvPr/>
+        </p:nvPicPr>
+        <p:blipFill>
+          <a:blip r:embed="rId6"/>
+          <a:stretch>
+            <a:fillRect/>
+          </a:stretch>
+        </p:blipFill>
+        <p:spPr>
+          <a:xfrm>
+            <a:off x="4871491" y="94949"/>
+            <a:ext cx="3972983" cy="2808361"/>
+          </a:xfrm>
+          <a:prstGeom prst="rect">
+            <a:avLst/>
+          </a:prstGeom>
+        </p:spPr>
+      </p:pic>
+      <p:sp>
+        <p:nvSpPr>
+          <p:cNvPr id="13" name="Explosion 2 12"/>
+          <p:cNvSpPr/>
+          <p:nvPr/>
+        </p:nvSpPr>
+        <p:spPr>
+          <a:xfrm>
+            <a:off x="86243" y="134905"/>
+            <a:ext cx="1020193" cy="1155580"/>
+          </a:xfrm>
+          <a:prstGeom prst="irregularSeal2">
+            <a:avLst/>
+          </a:prstGeom>
+        </p:spPr>
+        <p:style>
+          <a:lnRef idx="1">
+            <a:schemeClr val="accent1"/>
+          </a:lnRef>
+          <a:fillRef idx="3">
+            <a:schemeClr val="accent1"/>
+          </a:fillRef>
+          <a:effectRef idx="2">
+            <a:schemeClr val="accent1"/>
+          </a:effectRef>
+          <a:fontRef idx="minor">
+            <a:schemeClr val="lt1"/>
+          </a:fontRef>
+        </p:style>
+        <p:txBody>
+          <a:bodyPr rtlCol="0" anchor="ctr"/>
+          <a:lstStyle/>
+          <a:p>
+            <a:pPr algn="ctr"/>
+            <a:endParaRPr lang="en-US"/>
+          </a:p>
+        </p:txBody>
+      </p:sp>
+      <p:sp>
+        <p:nvSpPr>
+          <p:cNvPr id="14" name="Explosion 1 13"/>
+          <p:cNvSpPr/>
+          <p:nvPr/>
+        </p:nvSpPr>
+        <p:spPr>
+          <a:xfrm>
+            <a:off x="7686655" y="94949"/>
+            <a:ext cx="1157819" cy="961944"/>
+          </a:xfrm>
+          <a:prstGeom prst="irregularSeal1">
+            <a:avLst/>
+          </a:prstGeom>
+        </p:spPr>
+        <p:style>
+          <a:lnRef idx="1">
+            <a:schemeClr val="accent1"/>
+          </a:lnRef>
+          <a:fillRef idx="3">
+            <a:schemeClr val="accent1"/>
+          </a:fillRef>
+          <a:effectRef idx="2">
+            <a:schemeClr val="accent1"/>
+          </a:effectRef>
+          <a:fontRef idx="minor">
+            <a:schemeClr val="lt1"/>
+          </a:fontRef>
+        </p:style>
+        <p:txBody>
+          <a:bodyPr rtlCol="0" anchor="ctr"/>
+          <a:lstStyle/>
+          <a:p>
+            <a:pPr algn="ctr"/>
+            <a:endParaRPr lang="en-US"/>
+          </a:p>
+        </p:txBody>
+      </p:sp>
+      <p:sp>
+        <p:nvSpPr>
+          <p:cNvPr id="15" name="Explosion 1 14"/>
+          <p:cNvSpPr/>
+          <p:nvPr/>
+        </p:nvSpPr>
+        <p:spPr>
+          <a:xfrm>
+            <a:off x="2852376" y="3322404"/>
+            <a:ext cx="999373" cy="1237450"/>
+          </a:xfrm>
+          <a:prstGeom prst="irregularSeal1">
+            <a:avLst/>
+          </a:prstGeom>
+        </p:spPr>
+        <p:style>
+          <a:lnRef idx="1">
+            <a:schemeClr val="accent1"/>
+          </a:lnRef>
+          <a:fillRef idx="3">
+            <a:schemeClr val="accent1"/>
+          </a:fillRef>
+          <a:effectRef idx="2">
+            <a:schemeClr val="accent1"/>
+          </a:effectRef>
+          <a:fontRef idx="minor">
+            <a:schemeClr val="lt1"/>
+          </a:fontRef>
+        </p:style>
+        <p:txBody>
+          <a:bodyPr rtlCol="0" anchor="ctr"/>
+          <a:lstStyle/>
+          <a:p>
+            <a:pPr algn="ctr"/>
+            <a:endParaRPr lang="en-US"/>
+          </a:p>
+        </p:txBody>
+      </p:sp>
+      <p:sp>
+        <p:nvSpPr>
+          <p:cNvPr id="16" name="Explosion 1 15"/>
+          <p:cNvSpPr/>
+          <p:nvPr/>
+        </p:nvSpPr>
+        <p:spPr>
+          <a:xfrm>
+            <a:off x="7686655" y="3322404"/>
+            <a:ext cx="1070560" cy="969236"/>
+          </a:xfrm>
+          <a:prstGeom prst="irregularSeal1">
+            <a:avLst/>
+          </a:prstGeom>
+        </p:spPr>
+        <p:style>
+          <a:lnRef idx="1">
+            <a:schemeClr val="accent1"/>
+          </a:lnRef>
+          <a:fillRef idx="3">
+            <a:schemeClr val="accent1"/>
+          </a:fillRef>
+          <a:effectRef idx="2">
+            <a:schemeClr val="accent1"/>
+          </a:effectRef>
+          <a:fontRef idx="minor">
+            <a:schemeClr val="lt1"/>
+          </a:fontRef>
+        </p:style>
+        <p:txBody>
+          <a:bodyPr rtlCol="0" anchor="ctr"/>
+          <a:lstStyle/>
+          <a:p>
+            <a:pPr algn="ctr"/>
+            <a:endParaRPr lang="en-US"/>
+          </a:p>
+        </p:txBody>
+      </p:sp>
+      <p:sp>
+        <p:nvSpPr>
+          <p:cNvPr id="17" name="TextBox 16"/>
+          <p:cNvSpPr txBox="1"/>
+          <p:nvPr/>
+        </p:nvSpPr>
+        <p:spPr>
+          <a:xfrm>
+            <a:off x="301894" y="419152"/>
+            <a:ext cx="521762" cy="523220"/>
+          </a:xfrm>
+          <a:prstGeom prst="rect">
+            <a:avLst/>
+          </a:prstGeom>
+          <a:noFill/>
+        </p:spPr>
+        <p:txBody>
+          <a:bodyPr wrap="square" rtlCol="0">
+            <a:spAutoFit/>
+          </a:bodyPr>
+          <a:lstStyle/>
+          <a:p>
+            <a:pPr algn="ctr"/>
+            <a:r>
+              <a:rPr lang="en-US" sz="2800">
+                <a:ln w="18415" cmpd="sng">
+                  <a:solidFill>
+                    <a:srgbClr val="FFFFFF"/>
+                  </a:solidFill>
+                  <a:prstDash val="solid"/>
+                </a:ln>
+                <a:solidFill>
+                  <a:srgbClr val="FFFFFF"/>
+                </a:solidFill>
+                <a:effectLst>
+                  <a:outerShdw blurRad="63500" dir="3600000" algn="tl" rotWithShape="0">
+                    <a:srgbClr val="000000">
+                      <a:alpha val="70000"/>
+                    </a:srgbClr>
+                  </a:outerShdw>
+                </a:effectLst>
+              </a:rPr>
+              <a:t>1</a:t>
+            </a:r>
+          </a:p>
+        </p:txBody>
+      </p:sp>
+      <p:sp>
+        <p:nvSpPr>
+          <p:cNvPr id="18" name="TextBox 17"/>
+          <p:cNvSpPr txBox="1"/>
+          <p:nvPr/>
+        </p:nvSpPr>
+        <p:spPr>
+          <a:xfrm>
+            <a:off x="8036622" y="242171"/>
+            <a:ext cx="374765" cy="954107"/>
+          </a:xfrm>
+          <a:prstGeom prst="rect">
+            <a:avLst/>
+          </a:prstGeom>
+          <a:noFill/>
+        </p:spPr>
+        <p:txBody>
+          <a:bodyPr wrap="square" rtlCol="0">
+            <a:spAutoFit/>
+          </a:bodyPr>
+          <a:lstStyle/>
+          <a:p>
+            <a:pPr algn="ctr"/>
+            <a:r>
+              <a:rPr lang="en-US" sz="2800">
+                <a:ln w="18415" cmpd="sng">
+                  <a:solidFill>
+                    <a:srgbClr val="FFFFFF"/>
+                  </a:solidFill>
+                  <a:prstDash val="solid"/>
+                </a:ln>
+                <a:solidFill>
+                  <a:srgbClr val="FFFFFF"/>
+                </a:solidFill>
+                <a:effectLst>
+                  <a:outerShdw blurRad="63500" dir="3600000" algn="tl" rotWithShape="0">
+                    <a:srgbClr val="000000">
+                      <a:alpha val="70000"/>
+                    </a:srgbClr>
+                  </a:outerShdw>
+                </a:effectLst>
+              </a:rPr>
+              <a:t>2</a:t>
+            </a:r>
+          </a:p>
+        </p:txBody>
+      </p:sp>
+      <p:sp>
+        <p:nvSpPr>
+          <p:cNvPr id="19" name="TextBox 18"/>
+          <p:cNvSpPr txBox="1"/>
+          <p:nvPr/>
+        </p:nvSpPr>
+        <p:spPr>
+          <a:xfrm>
+            <a:off x="3123040" y="3625625"/>
+            <a:ext cx="426815" cy="523220"/>
+          </a:xfrm>
+          <a:prstGeom prst="rect">
+            <a:avLst/>
+          </a:prstGeom>
+          <a:noFill/>
+        </p:spPr>
+        <p:txBody>
+          <a:bodyPr wrap="square" rtlCol="0">
+            <a:spAutoFit/>
+          </a:bodyPr>
+          <a:lstStyle/>
+          <a:p>
+            <a:pPr algn="ctr"/>
+            <a:r>
+              <a:rPr lang="en-US" sz="2800">
+                <a:ln w="18415" cmpd="sng">
+                  <a:solidFill>
+                    <a:srgbClr val="FFFFFF"/>
+                  </a:solidFill>
+                  <a:prstDash val="solid"/>
+                </a:ln>
+                <a:solidFill>
+                  <a:srgbClr val="FFFFFF"/>
+                </a:solidFill>
+                <a:effectLst>
+                  <a:outerShdw blurRad="63500" dir="3600000" algn="tl" rotWithShape="0">
+                    <a:srgbClr val="000000">
+                      <a:alpha val="70000"/>
+                    </a:srgbClr>
+                  </a:outerShdw>
+                </a:effectLst>
+              </a:rPr>
+              <a:t>3</a:t>
+            </a:r>
+          </a:p>
+        </p:txBody>
+      </p:sp>
+      <p:sp>
+        <p:nvSpPr>
+          <p:cNvPr id="20" name="TextBox 19"/>
+          <p:cNvSpPr txBox="1"/>
+          <p:nvPr/>
+        </p:nvSpPr>
+        <p:spPr>
+          <a:xfrm>
+            <a:off x="7994982" y="3469460"/>
+            <a:ext cx="374765" cy="954107"/>
+          </a:xfrm>
+          <a:prstGeom prst="rect">
+            <a:avLst/>
+          </a:prstGeom>
+          <a:noFill/>
+        </p:spPr>
+        <p:txBody>
+          <a:bodyPr wrap="square" rtlCol="0">
+            <a:spAutoFit/>
+          </a:bodyPr>
+          <a:lstStyle/>
+          <a:p>
+            <a:pPr algn="ctr"/>
+            <a:r>
+              <a:rPr lang="en-US" sz="2800">
+                <a:ln w="18415" cmpd="sng">
+                  <a:solidFill>
+                    <a:srgbClr val="FFFFFF"/>
+                  </a:solidFill>
+                  <a:prstDash val="solid"/>
+                </a:ln>
+                <a:solidFill>
+                  <a:srgbClr val="FFFFFF"/>
+                </a:solidFill>
+                <a:effectLst>
+                  <a:outerShdw blurRad="63500" dir="3600000" algn="tl" rotWithShape="0">
+                    <a:srgbClr val="000000">
+                      <a:alpha val="70000"/>
+                    </a:srgbClr>
+                  </a:outerShdw>
+                </a:effectLst>
+              </a:rPr>
+              <a:t>4</a:t>
+            </a:r>
+          </a:p>
+        </p:txBody>
+      </p:sp>
+    </p:spTree>
+  </p:cSld>
+  <p:clrMapOvr>
+    <a:masterClrMapping/>
+  </p:clrMapOvr>
+  <p:timing>
+    <p:tnLst>
+      <p:par>
+        <p:cTn id="1" dur="indefinite" restart="never" nodeType="tmRoot"/>
+      </p:par>
+    </p:tnLst>
+  </p:timing>
+</p:sld>
+</file>
+
+<file path=ppt/slides/slide14.xml><?xml version="1.0" encoding="utf-8"?>
+<p:sld xmlns:a="http://schemas.openxmlformats.org/drawingml/2006/main" xmlns:r="http://schemas.openxmlformats.org/officeDocument/2006/relationships" xmlns:mc="http://schemas.openxmlformats.org/markup-compatibility/2006" xmlns:mv="urn:schemas-microsoft-com:mac:vml" xmlns:p="http://schemas.openxmlformats.org/presentationml/2006/main" mc:Ignorable="mv" mc:PreserveAttributes="mv:*">
+  <p:cSld>
+    <p:spTree>
+      <p:nvGrpSpPr>
+        <p:cNvPr id="1" name=""/>
+        <p:cNvGrpSpPr/>
+        <p:nvPr/>
+      </p:nvGrpSpPr>
+      <p:grpSpPr>
+        <a:xfrm>
+          <a:off x="0" y="0"/>
+          <a:ext cx="0" cy="0"/>
+          <a:chOff x="0" y="0"/>
+          <a:chExt cx="0" cy="0"/>
+        </a:xfrm>
+      </p:grpSpPr>
+      <p:sp>
+        <p:nvSpPr>
+          <p:cNvPr id="2" name="Title 1"/>
+          <p:cNvSpPr>
+            <a:spLocks noGrp="1"/>
+          </p:cNvSpPr>
+          <p:nvPr>
+            <p:ph type="title"/>
+          </p:nvPr>
+        </p:nvSpPr>
+        <p:spPr/>
+        <p:txBody>
+          <a:bodyPr/>
+          <a:lstStyle/>
+          <a:p>
+            <a:r>
+              <a:rPr lang="en-US"/>
+              <a:t>Git Directions Continued</a:t>
+            </a:r>
+          </a:p>
+        </p:txBody>
+      </p:sp>
+      <p:sp>
+        <p:nvSpPr>
+          <p:cNvPr id="3" name="Rectangle 2"/>
+          <p:cNvSpPr/>
+          <p:nvPr/>
+        </p:nvSpPr>
+        <p:spPr>
+          <a:xfrm>
+            <a:off x="1363727" y="1499131"/>
+            <a:ext cx="6412641" cy="1354217"/>
+          </a:xfrm>
+          <a:prstGeom prst="rect">
+            <a:avLst/>
+          </a:prstGeom>
+        </p:spPr>
+        <p:txBody>
+          <a:bodyPr wrap="square">
+            <a:spAutoFit/>
+          </a:bodyPr>
+          <a:lstStyle/>
           <a:p>
             <a:pPr>
               <a:spcAft>
@@ -6612,10 +7706,17 @@
   <p:clrMapOvr>
     <a:masterClrMapping/>
   </p:clrMapOvr>
+  <p:timing>
+    <p:tnLst>
+      <p:par>
+        <p:cTn id="1" dur="indefinite" restart="never" nodeType="tmRoot"/>
+      </p:par>
+    </p:tnLst>
+  </p:timing>
 </p:sld>
 </file>
 
-<file path=ppt/slides/slide12.xml><?xml version="1.0" encoding="utf-8"?>
+<file path=ppt/slides/slide15.xml><?xml version="1.0" encoding="utf-8"?>
 <p:sld xmlns:a="http://schemas.openxmlformats.org/drawingml/2006/main" xmlns:r="http://schemas.openxmlformats.org/officeDocument/2006/relationships" xmlns:mc="http://schemas.openxmlformats.org/markup-compatibility/2006" xmlns:mv="urn:schemas-microsoft-com:mac:vml" xmlns:p="http://schemas.openxmlformats.org/presentationml/2006/main" mc:Ignorable="mv" mc:PreserveAttributes="mv:*">
   <p:cSld>
     <p:spTree>
@@ -6662,365 +7763,13 @@
   <p:clrMapOvr>
     <a:masterClrMapping/>
   </p:clrMapOvr>
-</p:sld>
-</file>
-
-<file path=ppt/slides/slide13.xml><?xml version="1.0" encoding="utf-8"?>
-<p:sld xmlns:a="http://schemas.openxmlformats.org/drawingml/2006/main" xmlns:r="http://schemas.openxmlformats.org/officeDocument/2006/relationships" xmlns:mc="http://schemas.openxmlformats.org/markup-compatibility/2006" xmlns:mv="urn:schemas-microsoft-com:mac:vml" xmlns:p="http://schemas.openxmlformats.org/presentationml/2006/main" mc:Ignorable="mv" mc:PreserveAttributes="mv:*">
-  <p:cSld>
-    <p:spTree>
-      <p:nvGrpSpPr>
-        <p:cNvPr id="1" name=""/>
-        <p:cNvGrpSpPr/>
-        <p:nvPr/>
-      </p:nvGrpSpPr>
-      <p:grpSpPr>
-        <a:xfrm>
-          <a:off x="0" y="0"/>
-          <a:ext cx="0" cy="0"/>
-          <a:chOff x="0" y="0"/>
-          <a:chExt cx="0" cy="0"/>
-        </a:xfrm>
-      </p:grpSpPr>
-      <p:sp>
-        <p:nvSpPr>
-          <p:cNvPr id="2" name="Title 1"/>
-          <p:cNvSpPr>
-            <a:spLocks noGrp="1"/>
-          </p:cNvSpPr>
-          <p:nvPr>
-            <p:ph type="title"/>
-          </p:nvPr>
-        </p:nvSpPr>
-        <p:spPr/>
-        <p:txBody>
-          <a:bodyPr>
-            <a:normAutofit/>
-          </a:bodyPr>
-          <a:lstStyle/>
-          <a:p>
-            <a:r>
-              <a:rPr lang="en-US"/>
-              <a:t>Helpful websites for this process</a:t>
-            </a:r>
-          </a:p>
-        </p:txBody>
-      </p:sp>
-      <p:sp>
-        <p:nvSpPr>
-          <p:cNvPr id="3" name="Content Placeholder 2"/>
-          <p:cNvSpPr>
-            <a:spLocks noGrp="1"/>
-          </p:cNvSpPr>
-          <p:nvPr>
-            <p:ph sz="quarter" idx="1"/>
-          </p:nvPr>
-        </p:nvSpPr>
-        <p:spPr/>
-        <p:txBody>
-          <a:bodyPr/>
-          <a:lstStyle/>
-          <a:p>
-            <a:r>
-              <a:rPr lang="en-US">
-                <a:hlinkClick r:id="rId2"/>
-              </a:rPr>
-              <a:t>http://www.molecularecologist.com/2013/11/using-github-with-r-and-rstudio/</a:t>
-            </a:r>
-            <a:endParaRPr lang="en-US"/>
-          </a:p>
-          <a:p>
-            <a:r>
-              <a:rPr lang="en-US">
-                <a:hlinkClick r:id="rId3"/>
-              </a:rPr>
-              <a:t>https://support.rstudio.com/hc/en-us/articles/200532077-Version-Control-with-Git-and-SVN</a:t>
-            </a:r>
-            <a:endParaRPr lang="en-US"/>
-          </a:p>
-          <a:p>
-            <a:r>
-              <a:rPr lang="en-US"/>
-              <a:t>How to use SmartGit (https://www.youtube.com/watch?v=gB8OmhRJ0D8)</a:t>
-            </a:r>
-          </a:p>
-        </p:txBody>
-      </p:sp>
-    </p:spTree>
-  </p:cSld>
-  <p:clrMapOvr>
-    <a:masterClrMapping/>
-  </p:clrMapOvr>
-</p:sld>
-</file>
-
-<file path=ppt/slides/slide14.xml><?xml version="1.0" encoding="utf-8"?>
-<p:sld xmlns:a="http://schemas.openxmlformats.org/drawingml/2006/main" xmlns:r="http://schemas.openxmlformats.org/officeDocument/2006/relationships" xmlns:mc="http://schemas.openxmlformats.org/markup-compatibility/2006" xmlns:mv="urn:schemas-microsoft-com:mac:vml" xmlns:p="http://schemas.openxmlformats.org/presentationml/2006/main" mc:Ignorable="mv" mc:PreserveAttributes="mv:*">
-  <p:cSld>
-    <p:spTree>
-      <p:nvGrpSpPr>
-        <p:cNvPr id="1" name=""/>
-        <p:cNvGrpSpPr/>
-        <p:nvPr/>
-      </p:nvGrpSpPr>
-      <p:grpSpPr>
-        <a:xfrm>
-          <a:off x="0" y="0"/>
-          <a:ext cx="0" cy="0"/>
-          <a:chOff x="0" y="0"/>
-          <a:chExt cx="0" cy="0"/>
-        </a:xfrm>
-      </p:grpSpPr>
-      <p:sp>
-        <p:nvSpPr>
-          <p:cNvPr id="2" name="Title 1"/>
-          <p:cNvSpPr>
-            <a:spLocks noGrp="1"/>
-          </p:cNvSpPr>
-          <p:nvPr>
-            <p:ph type="title"/>
-          </p:nvPr>
-        </p:nvSpPr>
-        <p:spPr/>
-        <p:txBody>
-          <a:bodyPr/>
-          <a:lstStyle/>
-          <a:p>
-            <a:r>
-              <a:rPr lang="en-US"/>
-              <a:t>Good Style</a:t>
-            </a:r>
-          </a:p>
-        </p:txBody>
-      </p:sp>
-      <p:sp>
-        <p:nvSpPr>
-          <p:cNvPr id="3" name="TextBox 2"/>
-          <p:cNvSpPr txBox="1"/>
-          <p:nvPr/>
-        </p:nvSpPr>
-        <p:spPr>
-          <a:xfrm>
-            <a:off x="2438898" y="2680469"/>
-            <a:ext cx="3981995" cy="1200329"/>
-          </a:xfrm>
-          <a:prstGeom prst="rect">
-            <a:avLst/>
-          </a:prstGeom>
-          <a:noFill/>
-        </p:spPr>
-        <p:txBody>
-          <a:bodyPr wrap="square" rtlCol="0">
-            <a:spAutoFit/>
-          </a:bodyPr>
-          <a:lstStyle/>
-          <a:p>
-            <a:r>
-              <a:rPr lang="en-US"/>
-              <a:t>“Good coding style is lke using correct punctuation. You can manage without it, but it sure makes things easier to read.” </a:t>
-            </a:r>
-          </a:p>
-          <a:p>
-            <a:r>
-              <a:rPr lang="en-US"/>
-              <a:t>—Hadley Wickham</a:t>
-            </a:r>
-          </a:p>
-        </p:txBody>
-      </p:sp>
-      <p:sp>
-        <p:nvSpPr>
-          <p:cNvPr id="4" name="TextBox 3"/>
-          <p:cNvSpPr txBox="1"/>
-          <p:nvPr/>
-        </p:nvSpPr>
-        <p:spPr>
-          <a:xfrm>
-            <a:off x="9307187" y="399624"/>
-            <a:ext cx="1314373" cy="461665"/>
-          </a:xfrm>
-          <a:prstGeom prst="rect">
-            <a:avLst/>
-          </a:prstGeom>
-          <a:noFill/>
-        </p:spPr>
-        <p:txBody>
-          <a:bodyPr wrap="square" rtlCol="0">
-            <a:spAutoFit/>
-          </a:bodyPr>
-          <a:lstStyle/>
-          <a:p>
-            <a:pPr>
-              <a:buFont typeface="Arial"/>
-              <a:buChar char="•"/>
-            </a:pPr>
-            <a:r>
-              <a:rPr lang="en-US" sz="1200"/>
-              <a:t>Rule of transparency</a:t>
-            </a:r>
-          </a:p>
-        </p:txBody>
-      </p:sp>
-    </p:spTree>
-  </p:cSld>
-  <p:clrMapOvr>
-    <a:masterClrMapping/>
-  </p:clrMapOvr>
-</p:sld>
-</file>
-
-<file path=ppt/slides/slide15.xml><?xml version="1.0" encoding="utf-8"?>
-<p:sld xmlns:a="http://schemas.openxmlformats.org/drawingml/2006/main" xmlns:r="http://schemas.openxmlformats.org/officeDocument/2006/relationships" xmlns:mc="http://schemas.openxmlformats.org/markup-compatibility/2006" xmlns:mv="urn:schemas-microsoft-com:mac:vml" xmlns:p="http://schemas.openxmlformats.org/presentationml/2006/main" mc:Ignorable="mv" mc:PreserveAttributes="mv:*">
-  <p:cSld>
-    <p:spTree>
-      <p:nvGrpSpPr>
-        <p:cNvPr id="1" name=""/>
-        <p:cNvGrpSpPr/>
-        <p:nvPr/>
-      </p:nvGrpSpPr>
-      <p:grpSpPr>
-        <a:xfrm>
-          <a:off x="0" y="0"/>
-          <a:ext cx="0" cy="0"/>
-          <a:chOff x="0" y="0"/>
-          <a:chExt cx="0" cy="0"/>
-        </a:xfrm>
-      </p:grpSpPr>
-      <p:sp>
-        <p:nvSpPr>
-          <p:cNvPr id="6" name="Title 5"/>
-          <p:cNvSpPr>
-            <a:spLocks noGrp="1"/>
-          </p:cNvSpPr>
-          <p:nvPr>
-            <p:ph type="title"/>
-          </p:nvPr>
-        </p:nvSpPr>
-        <p:spPr/>
-        <p:txBody>
-          <a:bodyPr/>
-          <a:lstStyle/>
-          <a:p>
-            <a:r>
-              <a:rPr lang="en-US"/>
-              <a:t>Indentation and line lengths</a:t>
-            </a:r>
-          </a:p>
-        </p:txBody>
-      </p:sp>
-      <p:sp>
-        <p:nvSpPr>
-          <p:cNvPr id="7" name="Content Placeholder 6"/>
-          <p:cNvSpPr>
-            <a:spLocks noGrp="1"/>
-          </p:cNvSpPr>
-          <p:nvPr>
-            <p:ph sz="quarter" idx="1"/>
-          </p:nvPr>
-        </p:nvSpPr>
-        <p:spPr/>
-        <p:txBody>
-          <a:bodyPr>
-            <a:normAutofit/>
-          </a:bodyPr>
-          <a:lstStyle/>
-          <a:p>
-            <a:pPr>
-              <a:buNone/>
-            </a:pPr>
-            <a:r>
-              <a:rPr lang="en-US"/>
-              <a:t>Limit code to 80 characters per line</a:t>
-            </a:r>
-          </a:p>
-          <a:p>
-            <a:pPr lvl="1">
-              <a:buNone/>
-            </a:pPr>
-            <a:r>
-              <a:rPr lang="en-US"/>
-              <a:t>If you run out of room, good idea to put some of that code in a separate function or object</a:t>
-            </a:r>
-          </a:p>
-          <a:p>
-            <a:pPr marL="571500" indent="-514350">
-              <a:buNone/>
-            </a:pPr>
-            <a:r>
-              <a:rPr lang="en-US"/>
-              <a:t>When indenting, use 2 spaces</a:t>
-            </a:r>
-          </a:p>
-          <a:p>
-            <a:pPr marL="971550" lvl="1" indent="-514350">
-              <a:buNone/>
-            </a:pPr>
-            <a:r>
-              <a:rPr lang="en-US"/>
-              <a:t>Never use tabs</a:t>
-            </a:r>
-          </a:p>
-          <a:p>
-            <a:pPr marL="971550" lvl="1" indent="-514350">
-              <a:buNone/>
-            </a:pPr>
-            <a:r>
-              <a:rPr lang="en-US"/>
-              <a:t>Exception: when function definition runs over several lines</a:t>
-            </a:r>
-          </a:p>
-          <a:p>
-            <a:pPr marL="971550" lvl="1" indent="-514350">
-              <a:buNone/>
-            </a:pPr>
-            <a:r>
-              <a:rPr lang="en-US"/>
-              <a:t>long_function_name &lt;- function(a = "a long argument", </a:t>
-            </a:r>
-          </a:p>
-          <a:p>
-            <a:pPr marL="971550" lvl="1" indent="-514350">
-              <a:buNone/>
-            </a:pPr>
-            <a:r>
-              <a:rPr lang="en-US"/>
-              <a:t>                               b = "another argument",</a:t>
-            </a:r>
-          </a:p>
-          <a:p>
-            <a:pPr marL="971550" lvl="1" indent="-514350">
-              <a:buNone/>
-            </a:pPr>
-            <a:r>
-              <a:rPr lang="en-US"/>
-              <a:t>                               c = "another long argument") {</a:t>
-            </a:r>
-          </a:p>
-          <a:p>
-            <a:pPr marL="971550" lvl="1" indent="-514350">
-              <a:buNone/>
-            </a:pPr>
-            <a:r>
-              <a:rPr lang="en-US"/>
-              <a:t>  # As usual code is indented by two spaces.</a:t>
-            </a:r>
-          </a:p>
-          <a:p>
-            <a:pPr marL="971550" lvl="1" indent="-514350">
-              <a:buNone/>
-            </a:pPr>
-            <a:r>
-              <a:rPr lang="en-US"/>
-              <a:t>}</a:t>
-            </a:r>
-          </a:p>
-        </p:txBody>
-      </p:sp>
-    </p:spTree>
-  </p:cSld>
-  <p:clrMapOvr>
-    <a:masterClrMapping/>
-  </p:clrMapOvr>
+  <p:timing>
+    <p:tnLst>
+      <p:par>
+        <p:cTn id="1" dur="indefinite" restart="never" nodeType="tmRoot"/>
+      </p:par>
+    </p:tnLst>
+  </p:timing>
 </p:sld>
 </file>
 
@@ -7043,7 +7792,7 @@
       </p:grpSpPr>
       <p:sp>
         <p:nvSpPr>
-          <p:cNvPr id="3" name="Title 2"/>
+          <p:cNvPr id="2" name="Title 1"/>
           <p:cNvSpPr>
             <a:spLocks noGrp="1"/>
           </p:cNvSpPr>
@@ -7053,19 +7802,21 @@
         </p:nvSpPr>
         <p:spPr/>
         <p:txBody>
-          <a:bodyPr/>
-          <a:lstStyle/>
-          <a:p>
-            <a:r>
-              <a:rPr lang="en-US"/>
-              <a:t>Spacing</a:t>
-            </a:r>
-          </a:p>
-        </p:txBody>
-      </p:sp>
-      <p:sp>
-        <p:nvSpPr>
-          <p:cNvPr id="4" name="Content Placeholder 3"/>
+          <a:bodyPr>
+            <a:normAutofit/>
+          </a:bodyPr>
+          <a:lstStyle/>
+          <a:p>
+            <a:r>
+              <a:rPr lang="en-US"/>
+              <a:t>Helpful websites for this process</a:t>
+            </a:r>
+          </a:p>
+        </p:txBody>
+      </p:sp>
+      <p:sp>
+        <p:nvSpPr>
+          <p:cNvPr id="3" name="Content Placeholder 2"/>
           <p:cNvSpPr>
             <a:spLocks noGrp="1"/>
           </p:cNvSpPr>
@@ -7076,230 +7827,58 @@
         <p:spPr/>
         <p:txBody>
           <a:bodyPr>
-            <a:normAutofit fontScale="25000" lnSpcReduction="20000"/>
+            <a:normAutofit/>
           </a:bodyPr>
           <a:lstStyle/>
           <a:p>
-            <a:r>
-              <a:rPr lang="en-US"/>
-              <a:t>Place spaces around all infix operators (=, +, -, &lt;-, etc.). The same rule applies when using = in function calls. Always put a space after a comma, and never before (just like in regular English).</a:t>
-            </a:r>
-          </a:p>
-          <a:p>
-            <a:endParaRPr lang="en-US"/>
-          </a:p>
-          <a:p>
-            <a:r>
-              <a:rPr lang="en-US"/>
-              <a:t># Good</a:t>
-            </a:r>
-          </a:p>
-          <a:p>
-            <a:r>
-              <a:rPr lang="en-US"/>
-              <a:t>average &lt;- mean(feet / 12 + inches, na.rm = TRUE)</a:t>
-            </a:r>
-          </a:p>
-          <a:p>
-            <a:endParaRPr lang="en-US"/>
-          </a:p>
-          <a:p>
-            <a:r>
-              <a:rPr lang="en-US"/>
-              <a:t># Bad</a:t>
-            </a:r>
-          </a:p>
-          <a:p>
-            <a:r>
-              <a:rPr lang="en-US"/>
-              <a:t>average&lt;-mean(feet/12+inches,na.rm=TRUE)</a:t>
-            </a:r>
-          </a:p>
-          <a:p>
-            <a:r>
-              <a:rPr lang="en-US"/>
-              <a:t>There’s a small exception to this rule: :, :: and ::: don’t need spaces around them.</a:t>
-            </a:r>
-          </a:p>
-          <a:p>
-            <a:endParaRPr lang="en-US"/>
-          </a:p>
-          <a:p>
-            <a:r>
-              <a:rPr lang="en-US"/>
-              <a:t># Good</a:t>
-            </a:r>
-          </a:p>
-          <a:p>
-            <a:r>
-              <a:rPr lang="en-US"/>
-              <a:t>x &lt;- 1:10</a:t>
-            </a:r>
-          </a:p>
-          <a:p>
-            <a:r>
-              <a:rPr lang="en-US"/>
-              <a:t>base::get</a:t>
-            </a:r>
-          </a:p>
-          <a:p>
-            <a:endParaRPr lang="en-US"/>
-          </a:p>
-          <a:p>
-            <a:r>
-              <a:rPr lang="en-US"/>
-              <a:t># Bad</a:t>
-            </a:r>
-          </a:p>
-          <a:p>
-            <a:r>
-              <a:rPr lang="en-US"/>
-              <a:t>x &lt;- 1 : 10</a:t>
-            </a:r>
-          </a:p>
-          <a:p>
-            <a:r>
-              <a:rPr lang="en-US"/>
-              <a:t>base :: get</a:t>
-            </a:r>
-          </a:p>
-          <a:p>
-            <a:r>
-              <a:rPr lang="en-US"/>
-              <a:t>Place a space before left parentheses, except in a function call.</a:t>
-            </a:r>
-          </a:p>
-          <a:p>
-            <a:endParaRPr lang="en-US"/>
-          </a:p>
-          <a:p>
-            <a:r>
-              <a:rPr lang="en-US"/>
-              <a:t># Good</a:t>
-            </a:r>
-          </a:p>
-          <a:p>
-            <a:r>
-              <a:rPr lang="en-US"/>
-              <a:t>if (debug) do(x)</a:t>
-            </a:r>
-          </a:p>
-          <a:p>
-            <a:r>
-              <a:rPr lang="en-US"/>
-              <a:t>plot(x, y)</a:t>
-            </a:r>
-          </a:p>
-          <a:p>
-            <a:endParaRPr lang="en-US"/>
-          </a:p>
-          <a:p>
-            <a:r>
-              <a:rPr lang="en-US"/>
-              <a:t># Bad</a:t>
-            </a:r>
-          </a:p>
-          <a:p>
-            <a:r>
-              <a:rPr lang="en-US"/>
-              <a:t>if(debug)do(x)</a:t>
-            </a:r>
-          </a:p>
-          <a:p>
-            <a:r>
-              <a:rPr lang="en-US"/>
-              <a:t>plot (x, y)</a:t>
-            </a:r>
-          </a:p>
-          <a:p>
-            <a:r>
-              <a:rPr lang="en-US"/>
-              <a:t>Extra spacing (i.e., more than one space in a row) is ok if it improves alignment of equal signs or assignments (&lt;-).</a:t>
-            </a:r>
-          </a:p>
-          <a:p>
-            <a:endParaRPr lang="en-US"/>
-          </a:p>
-          <a:p>
-            <a:r>
-              <a:rPr lang="en-US"/>
-              <a:t>list(</a:t>
-            </a:r>
-          </a:p>
-          <a:p>
-            <a:r>
-              <a:rPr lang="en-US"/>
-              <a:t>  total = a + b + c, </a:t>
-            </a:r>
-          </a:p>
-          <a:p>
-            <a:r>
-              <a:rPr lang="en-US"/>
-              <a:t>  mean  = (a + b + c) / n</a:t>
-            </a:r>
-          </a:p>
-          <a:p>
-            <a:r>
-              <a:rPr lang="en-US"/>
-              <a:t>)</a:t>
-            </a:r>
-          </a:p>
-          <a:p>
-            <a:r>
-              <a:rPr lang="en-US"/>
-              <a:t>Do not place spaces around code in parentheses or square brackets (unless there’s a comma, in which case see above).</a:t>
-            </a:r>
-          </a:p>
-          <a:p>
-            <a:endParaRPr lang="en-US"/>
-          </a:p>
-          <a:p>
-            <a:r>
-              <a:rPr lang="en-US"/>
-              <a:t># Good</a:t>
-            </a:r>
-          </a:p>
-          <a:p>
-            <a:r>
-              <a:rPr lang="en-US"/>
-              <a:t>if (debug) do(x)</a:t>
-            </a:r>
-          </a:p>
-          <a:p>
-            <a:r>
-              <a:rPr lang="en-US"/>
-              <a:t>diamonds[5, ]</a:t>
-            </a:r>
-          </a:p>
-          <a:p>
-            <a:endParaRPr lang="en-US"/>
-          </a:p>
-          <a:p>
-            <a:r>
-              <a:rPr lang="en-US"/>
-              <a:t># Bad</a:t>
-            </a:r>
-          </a:p>
-          <a:p>
-            <a:r>
-              <a:rPr lang="en-US"/>
-              <a:t>if ( debug ) do(x)  # No spaces around debug</a:t>
-            </a:r>
-          </a:p>
-          <a:p>
-            <a:r>
-              <a:rPr lang="en-US"/>
-              <a:t>x[1,]   # Needs a space after the comma</a:t>
-            </a:r>
-          </a:p>
-          <a:p>
-            <a:r>
-              <a:rPr lang="en-US"/>
-              <a:t>x[1 ,]  # Space goes after comma not before</a:t>
-            </a:r>
-          </a:p>
-          <a:p>
-            <a:endParaRPr lang="en-US"/>
+            <a:pPr>
+              <a:spcAft>
+                <a:spcPts val="1200"/>
+              </a:spcAft>
+            </a:pPr>
+            <a:r>
+              <a:rPr lang="en-US" sz="1800">
+                <a:hlinkClick r:id="rId2"/>
+              </a:rPr>
+              <a:t>http://www.molecularecologist.com/2013/11/using-github-with-r-and-rstudio/</a:t>
+            </a:r>
+            <a:endParaRPr lang="en-US" sz="1800"/>
+          </a:p>
+          <a:p>
+            <a:pPr>
+              <a:spcAft>
+                <a:spcPts val="1200"/>
+              </a:spcAft>
+            </a:pPr>
+            <a:r>
+              <a:rPr lang="en-US" sz="1800">
+                <a:hlinkClick r:id="rId3"/>
+              </a:rPr>
+              <a:t>https://support.rstudio.com/hc/en-us/articles/200532077-Version-Control-with-Git-and-SVN</a:t>
+            </a:r>
+            <a:endParaRPr lang="en-US" sz="1800"/>
+          </a:p>
+          <a:p>
+            <a:pPr>
+              <a:spcAft>
+                <a:spcPts val="1200"/>
+              </a:spcAft>
+            </a:pPr>
+            <a:r>
+              <a:rPr lang="en-US" sz="1800"/>
+              <a:t>How to use SmartGit </a:t>
+            </a:r>
+          </a:p>
+          <a:p>
+            <a:pPr lvl="1">
+              <a:spcAft>
+                <a:spcPts val="1200"/>
+              </a:spcAft>
+            </a:pPr>
+            <a:r>
+              <a:rPr lang="en-US" sz="1300"/>
+              <a:t>https://www.youtube.com/watch?v=gB8OmhRJ0D8</a:t>
+            </a:r>
           </a:p>
         </p:txBody>
       </p:sp>
@@ -7345,181 +7924,85 @@
           <a:p>
             <a:r>
               <a:rPr lang="en-US"/>
-              <a:t>Curly braces</a:t>
-            </a:r>
-          </a:p>
-        </p:txBody>
-      </p:sp>
-      <p:sp>
-        <p:nvSpPr>
-          <p:cNvPr id="3" name="Content Placeholder 2"/>
-          <p:cNvSpPr>
-            <a:spLocks noGrp="1"/>
-          </p:cNvSpPr>
-          <p:nvPr>
-            <p:ph sz="quarter" idx="1"/>
-          </p:nvPr>
-        </p:nvSpPr>
-        <p:spPr/>
-        <p:txBody>
-          <a:bodyPr>
-            <a:normAutofit fontScale="32500" lnSpcReduction="20000"/>
+              <a:t>Good Style</a:t>
+            </a:r>
+          </a:p>
+        </p:txBody>
+      </p:sp>
+      <p:sp>
+        <p:nvSpPr>
+          <p:cNvPr id="3" name="TextBox 2"/>
+          <p:cNvSpPr txBox="1"/>
+          <p:nvPr/>
+        </p:nvSpPr>
+        <p:spPr>
+          <a:xfrm>
+            <a:off x="1204574" y="2428316"/>
+            <a:ext cx="6900603" cy="2492990"/>
+          </a:xfrm>
+          <a:prstGeom prst="rect">
+            <a:avLst/>
+          </a:prstGeom>
+          <a:noFill/>
+        </p:spPr>
+        <p:txBody>
+          <a:bodyPr wrap="square" rtlCol="0">
+            <a:spAutoFit/>
           </a:bodyPr>
           <a:lstStyle/>
           <a:p>
-            <a:r>
-              <a:rPr lang="en-US"/>
-              <a:t>An opening curly brace should never go on its own line and should always be followed by a new line. A closing curly brace should always go on its own line, unless it’s followed by else.</a:t>
-            </a:r>
-          </a:p>
-          <a:p>
-            <a:endParaRPr lang="en-US"/>
-          </a:p>
-          <a:p>
-            <a:r>
-              <a:rPr lang="en-US"/>
-              <a:t>Always indent the code inside curly braces.</a:t>
-            </a:r>
-          </a:p>
-          <a:p>
-            <a:endParaRPr lang="en-US"/>
-          </a:p>
-          <a:p>
-            <a:r>
-              <a:rPr lang="en-US"/>
-              <a:t># Good</a:t>
-            </a:r>
-          </a:p>
-          <a:p>
-            <a:endParaRPr lang="en-US"/>
-          </a:p>
-          <a:p>
-            <a:r>
-              <a:rPr lang="en-US"/>
-              <a:t>if (y &lt; 0 &amp;&amp; debug) {</a:t>
-            </a:r>
-          </a:p>
-          <a:p>
-            <a:r>
-              <a:rPr lang="en-US"/>
-              <a:t>  message("Y is negative")</a:t>
-            </a:r>
-          </a:p>
-          <a:p>
-            <a:r>
-              <a:rPr lang="en-US"/>
-              <a:t>}</a:t>
-            </a:r>
-          </a:p>
-          <a:p>
-            <a:endParaRPr lang="en-US"/>
-          </a:p>
-          <a:p>
-            <a:r>
-              <a:rPr lang="en-US"/>
-              <a:t>if (y == 0) {</a:t>
-            </a:r>
-          </a:p>
-          <a:p>
-            <a:r>
-              <a:rPr lang="en-US"/>
-              <a:t>  log(x)</a:t>
-            </a:r>
-          </a:p>
-          <a:p>
-            <a:r>
-              <a:rPr lang="en-US"/>
-              <a:t>} else {</a:t>
-            </a:r>
-          </a:p>
-          <a:p>
-            <a:r>
-              <a:rPr lang="en-US"/>
-              <a:t>  y ^ x</a:t>
-            </a:r>
-          </a:p>
-          <a:p>
-            <a:r>
-              <a:rPr lang="en-US"/>
-              <a:t>}</a:t>
-            </a:r>
-          </a:p>
-          <a:p>
-            <a:endParaRPr lang="en-US"/>
-          </a:p>
-          <a:p>
-            <a:r>
-              <a:rPr lang="en-US"/>
-              <a:t># Bad</a:t>
-            </a:r>
-          </a:p>
-          <a:p>
-            <a:endParaRPr lang="en-US"/>
-          </a:p>
-          <a:p>
-            <a:r>
-              <a:rPr lang="en-US"/>
-              <a:t>if (y &lt; 0 &amp;&amp; debug)</a:t>
-            </a:r>
-          </a:p>
-          <a:p>
-            <a:r>
-              <a:rPr lang="en-US"/>
-              <a:t>message("Y is negative")</a:t>
-            </a:r>
-          </a:p>
-          <a:p>
-            <a:endParaRPr lang="en-US"/>
-          </a:p>
-          <a:p>
-            <a:r>
-              <a:rPr lang="en-US"/>
-              <a:t>if (y == 0) {</a:t>
-            </a:r>
-          </a:p>
-          <a:p>
-            <a:r>
-              <a:rPr lang="en-US"/>
-              <a:t>  log(x)</a:t>
-            </a:r>
-          </a:p>
-          <a:p>
-            <a:r>
-              <a:rPr lang="en-US"/>
-              <a:t>} </a:t>
-            </a:r>
-          </a:p>
-          <a:p>
-            <a:r>
-              <a:rPr lang="en-US"/>
-              <a:t>else {</a:t>
-            </a:r>
-          </a:p>
-          <a:p>
-            <a:r>
-              <a:rPr lang="en-US"/>
-              <a:t>  y ^ x</a:t>
-            </a:r>
-          </a:p>
-          <a:p>
-            <a:r>
-              <a:rPr lang="en-US"/>
-              <a:t>}</a:t>
-            </a:r>
-          </a:p>
-          <a:p>
-            <a:r>
-              <a:rPr lang="en-US"/>
-              <a:t>It’s ok to leave very short statements on the same line:</a:t>
-            </a:r>
-          </a:p>
-          <a:p>
-            <a:endParaRPr lang="en-US"/>
-          </a:p>
-          <a:p>
-            <a:r>
-              <a:rPr lang="en-US"/>
-              <a:t>if (y &lt; 0 &amp;&amp; debug) message("Y is negative")</a:t>
+            <a:pPr>
+              <a:spcAft>
+                <a:spcPts val="1200"/>
+              </a:spcAft>
+            </a:pPr>
+            <a:r>
+              <a:rPr lang="en-US" sz="3200" i="1"/>
+              <a:t>“Good coding style is lke using correct punctuation. You can manage without it, but it sure makes things easier to read.” </a:t>
+            </a:r>
+          </a:p>
+          <a:p>
+            <a:pPr>
+              <a:spcAft>
+                <a:spcPts val="1200"/>
+              </a:spcAft>
+            </a:pPr>
+            <a:r>
+              <a:rPr lang="en-US"/>
+              <a:t>—Hadley Wickham</a:t>
+            </a:r>
+          </a:p>
+        </p:txBody>
+      </p:sp>
+      <p:sp>
+        <p:nvSpPr>
+          <p:cNvPr id="4" name="TextBox 3"/>
+          <p:cNvSpPr txBox="1"/>
+          <p:nvPr/>
+        </p:nvSpPr>
+        <p:spPr>
+          <a:xfrm>
+            <a:off x="9307187" y="399624"/>
+            <a:ext cx="1314373" cy="461665"/>
+          </a:xfrm>
+          <a:prstGeom prst="rect">
+            <a:avLst/>
+          </a:prstGeom>
+          <a:noFill/>
+        </p:spPr>
+        <p:txBody>
+          <a:bodyPr wrap="square" rtlCol="0">
+            <a:spAutoFit/>
+          </a:bodyPr>
+          <a:lstStyle/>
+          <a:p>
+            <a:pPr>
+              <a:buFont typeface="Arial"/>
+              <a:buChar char="•"/>
+            </a:pPr>
+            <a:r>
+              <a:rPr lang="en-US" sz="1200"/>
+              <a:t>Rule of transparency</a:t>
             </a:r>
           </a:p>
         </p:txBody>
@@ -7529,6 +8012,13 @@
   <p:clrMapOvr>
     <a:masterClrMapping/>
   </p:clrMapOvr>
+  <p:timing>
+    <p:tnLst>
+      <p:par>
+        <p:cTn id="1" dur="indefinite" restart="never" nodeType="tmRoot"/>
+      </p:par>
+    </p:tnLst>
+  </p:timing>
 </p:sld>
 </file>
 
@@ -7551,7 +8041,7 @@
       </p:grpSpPr>
       <p:sp>
         <p:nvSpPr>
-          <p:cNvPr id="3" name="Title 2"/>
+          <p:cNvPr id="2" name="Title 1"/>
           <p:cNvSpPr>
             <a:spLocks noGrp="1"/>
           </p:cNvSpPr>
@@ -7566,112 +8056,550 @@
           <a:p>
             <a:r>
               <a:rPr lang="en-US"/>
-              <a:t>Conventions for naming files</a:t>
-            </a:r>
-          </a:p>
-        </p:txBody>
-      </p:sp>
-      <p:sp>
-        <p:nvSpPr>
-          <p:cNvPr id="4" name="Content Placeholder 3"/>
-          <p:cNvSpPr>
-            <a:spLocks noGrp="1"/>
-          </p:cNvSpPr>
-          <p:nvPr>
-            <p:ph sz="quarter" idx="1"/>
-          </p:nvPr>
-        </p:nvSpPr>
-        <p:spPr/>
-        <p:txBody>
-          <a:bodyPr>
-            <a:normAutofit fontScale="70000" lnSpcReduction="20000"/>
+              <a:t>R Style Guide</a:t>
+            </a:r>
+          </a:p>
+        </p:txBody>
+      </p:sp>
+      <p:sp>
+        <p:nvSpPr>
+          <p:cNvPr id="3" name="TextBox 2"/>
+          <p:cNvSpPr txBox="1"/>
+          <p:nvPr/>
+        </p:nvSpPr>
+        <p:spPr>
+          <a:xfrm>
+            <a:off x="1394958" y="1925979"/>
+            <a:ext cx="6391821" cy="3908763"/>
+          </a:xfrm>
+          <a:prstGeom prst="rect">
+            <a:avLst/>
+          </a:prstGeom>
+        </p:spPr>
+        <p:style>
+          <a:lnRef idx="1">
+            <a:schemeClr val="accent5"/>
+          </a:lnRef>
+          <a:fillRef idx="2">
+            <a:schemeClr val="accent5"/>
+          </a:fillRef>
+          <a:effectRef idx="1">
+            <a:schemeClr val="accent5"/>
+          </a:effectRef>
+          <a:fontRef idx="minor">
+            <a:schemeClr val="dk1"/>
+          </a:fontRef>
+        </p:style>
+        <p:txBody>
+          <a:bodyPr wrap="square" rtlCol="0">
+            <a:spAutoFit/>
           </a:bodyPr>
           <a:lstStyle/>
           <a:p>
-            <a:r>
-              <a:rPr lang="en-US"/>
-              <a:t>File names should be meaningful and end in .R.</a:t>
-            </a:r>
-          </a:p>
-          <a:p>
-            <a:endParaRPr lang="en-US"/>
-          </a:p>
-          <a:p>
-            <a:r>
-              <a:rPr lang="en-US"/>
-              <a:t># Good</a:t>
-            </a:r>
-          </a:p>
-          <a:p>
-            <a:r>
-              <a:rPr lang="en-US"/>
-              <a:t>fit-models.R</a:t>
-            </a:r>
-          </a:p>
-          <a:p>
-            <a:r>
-              <a:rPr lang="en-US"/>
-              <a:t>utility-functions.R</a:t>
-            </a:r>
-          </a:p>
-          <a:p>
-            <a:endParaRPr lang="en-US"/>
-          </a:p>
-          <a:p>
-            <a:r>
-              <a:rPr lang="en-US"/>
-              <a:t># Bad</a:t>
-            </a:r>
-          </a:p>
-          <a:p>
-            <a:r>
-              <a:rPr lang="en-US"/>
-              <a:t>foo.r</a:t>
-            </a:r>
-          </a:p>
-          <a:p>
-            <a:r>
-              <a:rPr lang="en-US"/>
-              <a:t>stuff.r</a:t>
-            </a:r>
-          </a:p>
-          <a:p>
-            <a:endParaRPr lang="en-US"/>
-          </a:p>
-          <a:p>
-            <a:r>
-              <a:rPr lang="en-US"/>
-              <a:t>If files need to be run in sequence, prefix them with numbers:</a:t>
-            </a:r>
-          </a:p>
-          <a:p>
-            <a:endParaRPr lang="en-US"/>
-          </a:p>
-          <a:p>
-            <a:r>
-              <a:rPr lang="en-US"/>
-              <a:t>0-download.R</a:t>
-            </a:r>
-          </a:p>
-          <a:p>
-            <a:r>
-              <a:rPr lang="en-US"/>
-              <a:t>1-parse.R</a:t>
-            </a:r>
-          </a:p>
-          <a:p>
-            <a:r>
-              <a:rPr lang="en-US"/>
-              <a:t>2-explore.R</a:t>
-            </a:r>
-          </a:p>
-        </p:txBody>
-      </p:sp>
+            <a:pPr>
+              <a:spcAft>
+                <a:spcPts val="1200"/>
+              </a:spcAft>
+              <a:buClr>
+                <a:schemeClr val="tx2"/>
+              </a:buClr>
+              <a:buFont typeface="Wingdings" charset="2"/>
+              <a:buChar char="v"/>
+            </a:pPr>
+            <a:r>
+              <a:rPr lang="en-US"/>
+              <a:t>The goal of using a style guide is to make R code easier to read, share, and debug</a:t>
+            </a:r>
+          </a:p>
+          <a:p>
+            <a:pPr lvl="1">
+              <a:spcAft>
+                <a:spcPts val="1200"/>
+              </a:spcAft>
+              <a:buClr>
+                <a:schemeClr val="tx2"/>
+              </a:buClr>
+              <a:buFont typeface="Wingdings" charset="2"/>
+              <a:buChar char="v"/>
+            </a:pPr>
+            <a:r>
+              <a:rPr lang="en-US"/>
+              <a:t>Focus on </a:t>
+            </a:r>
+            <a:r>
+              <a:rPr lang="en-US" i="1"/>
+              <a:t>what </a:t>
+            </a:r>
+            <a:r>
+              <a:rPr lang="en-US"/>
+              <a:t>is being said, not </a:t>
+            </a:r>
+            <a:r>
+              <a:rPr lang="en-US" i="1"/>
+              <a:t>how</a:t>
+            </a:r>
+            <a:r>
+              <a:rPr lang="en-US"/>
+              <a:t> it is being said</a:t>
+            </a:r>
+          </a:p>
+          <a:p>
+            <a:pPr>
+              <a:spcAft>
+                <a:spcPts val="1200"/>
+              </a:spcAft>
+              <a:buClr>
+                <a:schemeClr val="tx2"/>
+              </a:buClr>
+              <a:buFont typeface="Wingdings" charset="2"/>
+              <a:buChar char="v"/>
+            </a:pPr>
+            <a:r>
+              <a:rPr lang="en-US"/>
+              <a:t>Most of the rules were designed by the R user community at Google</a:t>
+            </a:r>
+          </a:p>
+          <a:p>
+            <a:pPr>
+              <a:spcAft>
+                <a:spcPts val="1200"/>
+              </a:spcAft>
+              <a:buClr>
+                <a:schemeClr val="tx2"/>
+              </a:buClr>
+              <a:buFont typeface="Wingdings" charset="2"/>
+              <a:buChar char="v"/>
+            </a:pPr>
+            <a:r>
+              <a:rPr lang="en-US"/>
+              <a:t>Hadley Wickham has also published his own style guide which is very similar to Google’s</a:t>
+            </a:r>
+          </a:p>
+          <a:p>
+            <a:pPr>
+              <a:spcAft>
+                <a:spcPts val="1200"/>
+              </a:spcAft>
+              <a:buClr>
+                <a:schemeClr val="tx2"/>
+              </a:buClr>
+              <a:buFont typeface="Wingdings" charset="2"/>
+              <a:buChar char="v"/>
+            </a:pPr>
+            <a:r>
+              <a:rPr lang="en-US"/>
+              <a:t>The following rules are mostly agreed upon by Hadley and Google</a:t>
+            </a:r>
+          </a:p>
+          <a:p>
+            <a:pPr>
+              <a:spcAft>
+                <a:spcPts val="1200"/>
+              </a:spcAft>
+              <a:buClr>
+                <a:schemeClr val="tx2"/>
+              </a:buClr>
+              <a:buFont typeface="Wingdings" charset="2"/>
+              <a:buChar char="v"/>
+            </a:pPr>
+            <a:r>
+              <a:rPr lang="en-US"/>
+              <a:t>The most important thing is for you to agree upon conventions with your collaborators and then be consistent.</a:t>
+            </a:r>
+          </a:p>
+        </p:txBody>
+      </p:sp>
+      <p:grpSp>
+        <p:nvGrpSpPr>
+          <p:cNvPr id="6" name="Group 5"/>
+          <p:cNvGrpSpPr/>
+          <p:nvPr/>
+        </p:nvGrpSpPr>
+        <p:grpSpPr>
+          <a:xfrm>
+            <a:off x="5978744" y="1237360"/>
+            <a:ext cx="2857408" cy="1377238"/>
+            <a:chOff x="8303645" y="3268794"/>
+            <a:chExt cx="2857408" cy="1377238"/>
+          </a:xfrm>
+        </p:grpSpPr>
+        <p:sp>
+          <p:nvSpPr>
+            <p:cNvPr id="7" name="Wave 6"/>
+            <p:cNvSpPr/>
+            <p:nvPr/>
+          </p:nvSpPr>
+          <p:spPr>
+            <a:xfrm>
+              <a:off x="8303645" y="3268794"/>
+              <a:ext cx="2857408" cy="1377238"/>
+            </a:xfrm>
+            <a:prstGeom prst="wave">
+              <a:avLst/>
+            </a:prstGeom>
+          </p:spPr>
+          <p:style>
+            <a:lnRef idx="2">
+              <a:schemeClr val="accent6">
+                <a:shade val="50000"/>
+              </a:schemeClr>
+            </a:lnRef>
+            <a:fillRef idx="1">
+              <a:schemeClr val="accent6"/>
+            </a:fillRef>
+            <a:effectRef idx="0">
+              <a:schemeClr val="accent6"/>
+            </a:effectRef>
+            <a:fontRef idx="minor">
+              <a:schemeClr val="lt1"/>
+            </a:fontRef>
+          </p:style>
+          <p:txBody>
+            <a:bodyPr rtlCol="0" anchor="ctr"/>
+            <a:lstStyle/>
+            <a:p>
+              <a:pPr algn="ctr"/>
+              <a:endParaRPr lang="en-US"/>
+            </a:p>
+          </p:txBody>
+        </p:sp>
+        <p:sp>
+          <p:nvSpPr>
+            <p:cNvPr id="8" name="TextBox 7"/>
+            <p:cNvSpPr txBox="1"/>
+            <p:nvPr/>
+          </p:nvSpPr>
+          <p:spPr>
+            <a:xfrm>
+              <a:off x="8303645" y="3676953"/>
+              <a:ext cx="2857408" cy="523220"/>
+            </a:xfrm>
+            <a:prstGeom prst="rect">
+              <a:avLst/>
+            </a:prstGeom>
+            <a:noFill/>
+          </p:spPr>
+          <p:txBody>
+            <a:bodyPr wrap="square" rtlCol="0">
+              <a:spAutoFit/>
+            </a:bodyPr>
+            <a:lstStyle/>
+            <a:p>
+              <a:pPr algn="ctr"/>
+              <a:r>
+                <a:rPr lang="en-US" sz="2800">
+                  <a:ln w="18415" cmpd="sng">
+                    <a:solidFill>
+                      <a:srgbClr val="FFFFFF"/>
+                    </a:solidFill>
+                    <a:prstDash val="solid"/>
+                  </a:ln>
+                  <a:solidFill>
+                    <a:srgbClr val="FFFFFF"/>
+                  </a:solidFill>
+                  <a:effectLst>
+                    <a:outerShdw blurRad="63500" dir="3600000" algn="tl" rotWithShape="0">
+                      <a:srgbClr val="000000">
+                        <a:alpha val="70000"/>
+                      </a:srgbClr>
+                    </a:outerShdw>
+                  </a:effectLst>
+                </a:rPr>
+                <a:t>Transparency</a:t>
+              </a:r>
+              <a:endParaRPr lang="en-US" sz="2800" b="1">
+                <a:ln w="19050">
+                  <a:solidFill>
+                    <a:schemeClr val="tx2">
+                      <a:tint val="1000"/>
+                    </a:schemeClr>
+                  </a:solidFill>
+                  <a:prstDash val="solid"/>
+                </a:ln>
+                <a:solidFill>
+                  <a:schemeClr val="accent3"/>
+                </a:solidFill>
+                <a:effectLst>
+                  <a:outerShdw blurRad="50000" dist="50800" dir="7500000" algn="tl">
+                    <a:srgbClr val="000000">
+                      <a:shade val="5000"/>
+                      <a:alpha val="35000"/>
+                    </a:srgbClr>
+                  </a:outerShdw>
+                </a:effectLst>
+              </a:endParaRPr>
+            </a:p>
+          </p:txBody>
+        </p:sp>
+      </p:grpSp>
     </p:spTree>
   </p:cSld>
   <p:clrMapOvr>
     <a:masterClrMapping/>
   </p:clrMapOvr>
+  <p:timing>
+    <p:tnLst>
+      <p:par>
+        <p:cTn id="1" dur="indefinite" restart="never" nodeType="tmRoot">
+          <p:childTnLst>
+            <p:seq concurrent="1" nextAc="seek">
+              <p:cTn id="2" dur="indefinite" nodeType="mainSeq">
+                <p:childTnLst>
+                  <p:par>
+                    <p:cTn id="3" fill="hold">
+                      <p:stCondLst>
+                        <p:cond delay="indefinite"/>
+                      </p:stCondLst>
+                      <p:childTnLst>
+                        <p:par>
+                          <p:cTn id="4" fill="hold">
+                            <p:stCondLst>
+                              <p:cond delay="0"/>
+                            </p:stCondLst>
+                            <p:childTnLst>
+                              <p:par>
+                                <p:cTn id="5" presetID="1" presetClass="entr" presetSubtype="0" fill="hold" nodeType="clickEffect">
+                                  <p:stCondLst>
+                                    <p:cond delay="0"/>
+                                  </p:stCondLst>
+                                  <p:childTnLst>
+                                    <p:set>
+                                      <p:cBhvr>
+                                        <p:cTn id="6" dur="1" fill="hold">
+                                          <p:stCondLst>
+                                            <p:cond delay="0"/>
+                                          </p:stCondLst>
+                                        </p:cTn>
+                                        <p:tgtEl>
+                                          <p:spTgt spid="6"/>
+                                        </p:tgtEl>
+                                        <p:attrNameLst>
+                                          <p:attrName>style.visibility</p:attrName>
+                                        </p:attrNameLst>
+                                      </p:cBhvr>
+                                      <p:to>
+                                        <p:strVal val="visible"/>
+                                      </p:to>
+                                    </p:set>
+                                  </p:childTnLst>
+                                </p:cTn>
+                              </p:par>
+                            </p:childTnLst>
+                          </p:cTn>
+                        </p:par>
+                      </p:childTnLst>
+                    </p:cTn>
+                  </p:par>
+                  <p:par>
+                    <p:cTn id="7" fill="hold">
+                      <p:stCondLst>
+                        <p:cond delay="indefinite"/>
+                      </p:stCondLst>
+                      <p:childTnLst>
+                        <p:par>
+                          <p:cTn id="8" fill="hold">
+                            <p:stCondLst>
+                              <p:cond delay="0"/>
+                            </p:stCondLst>
+                            <p:childTnLst>
+                              <p:par>
+                                <p:cTn id="9" presetID="1" presetClass="entr" presetSubtype="0" fill="hold" nodeType="clickEffect">
+                                  <p:stCondLst>
+                                    <p:cond delay="0"/>
+                                  </p:stCondLst>
+                                  <p:childTnLst>
+                                    <p:set>
+                                      <p:cBhvr>
+                                        <p:cTn id="10" dur="1" fill="hold">
+                                          <p:stCondLst>
+                                            <p:cond delay="0"/>
+                                          </p:stCondLst>
+                                        </p:cTn>
+                                        <p:tgtEl>
+                                          <p:spTgt spid="6"/>
+                                        </p:tgtEl>
+                                        <p:attrNameLst>
+                                          <p:attrName>style.visibility</p:attrName>
+                                        </p:attrNameLst>
+                                      </p:cBhvr>
+                                      <p:to>
+                                        <p:strVal val="visible"/>
+                                      </p:to>
+                                    </p:set>
+                                  </p:childTnLst>
+                                </p:cTn>
+                              </p:par>
+                            </p:childTnLst>
+                          </p:cTn>
+                        </p:par>
+                      </p:childTnLst>
+                    </p:cTn>
+                  </p:par>
+                  <p:par>
+                    <p:cTn id="11" fill="hold">
+                      <p:stCondLst>
+                        <p:cond delay="indefinite"/>
+                      </p:stCondLst>
+                      <p:childTnLst>
+                        <p:par>
+                          <p:cTn id="12" fill="hold">
+                            <p:stCondLst>
+                              <p:cond delay="0"/>
+                            </p:stCondLst>
+                            <p:childTnLst>
+                              <p:par>
+                                <p:cTn id="13" presetID="1" presetClass="entr" presetSubtype="0" fill="hold" nodeType="clickEffect">
+                                  <p:stCondLst>
+                                    <p:cond delay="0"/>
+                                  </p:stCondLst>
+                                  <p:childTnLst>
+                                    <p:set>
+                                      <p:cBhvr>
+                                        <p:cTn id="14" dur="1" fill="hold">
+                                          <p:stCondLst>
+                                            <p:cond delay="0"/>
+                                          </p:stCondLst>
+                                        </p:cTn>
+                                        <p:tgtEl>
+                                          <p:spTgt spid="6"/>
+                                        </p:tgtEl>
+                                        <p:attrNameLst>
+                                          <p:attrName>style.visibility</p:attrName>
+                                        </p:attrNameLst>
+                                      </p:cBhvr>
+                                      <p:to>
+                                        <p:strVal val="visible"/>
+                                      </p:to>
+                                    </p:set>
+                                  </p:childTnLst>
+                                </p:cTn>
+                              </p:par>
+                            </p:childTnLst>
+                          </p:cTn>
+                        </p:par>
+                      </p:childTnLst>
+                    </p:cTn>
+                  </p:par>
+                  <p:par>
+                    <p:cTn id="15" fill="hold">
+                      <p:stCondLst>
+                        <p:cond delay="indefinite"/>
+                      </p:stCondLst>
+                      <p:childTnLst>
+                        <p:par>
+                          <p:cTn id="16" fill="hold">
+                            <p:stCondLst>
+                              <p:cond delay="0"/>
+                            </p:stCondLst>
+                            <p:childTnLst>
+                              <p:par>
+                                <p:cTn id="17" presetID="1" presetClass="entr" presetSubtype="0" fill="hold" nodeType="clickEffect">
+                                  <p:stCondLst>
+                                    <p:cond delay="0"/>
+                                  </p:stCondLst>
+                                  <p:childTnLst>
+                                    <p:set>
+                                      <p:cBhvr>
+                                        <p:cTn id="18" dur="1" fill="hold">
+                                          <p:stCondLst>
+                                            <p:cond delay="0"/>
+                                          </p:stCondLst>
+                                        </p:cTn>
+                                        <p:tgtEl>
+                                          <p:spTgt spid="6"/>
+                                        </p:tgtEl>
+                                        <p:attrNameLst>
+                                          <p:attrName>style.visibility</p:attrName>
+                                        </p:attrNameLst>
+                                      </p:cBhvr>
+                                      <p:to>
+                                        <p:strVal val="visible"/>
+                                      </p:to>
+                                    </p:set>
+                                  </p:childTnLst>
+                                </p:cTn>
+                              </p:par>
+                            </p:childTnLst>
+                          </p:cTn>
+                        </p:par>
+                      </p:childTnLst>
+                    </p:cTn>
+                  </p:par>
+                  <p:par>
+                    <p:cTn id="19" fill="hold">
+                      <p:stCondLst>
+                        <p:cond delay="indefinite"/>
+                      </p:stCondLst>
+                      <p:childTnLst>
+                        <p:par>
+                          <p:cTn id="20" fill="hold">
+                            <p:stCondLst>
+                              <p:cond delay="0"/>
+                            </p:stCondLst>
+                            <p:childTnLst>
+                              <p:par>
+                                <p:cTn id="21" presetID="10" presetClass="entr" presetSubtype="0" fill="hold" nodeType="clickEffect">
+                                  <p:stCondLst>
+                                    <p:cond delay="0"/>
+                                  </p:stCondLst>
+                                  <p:childTnLst>
+                                    <p:set>
+                                      <p:cBhvr>
+                                        <p:cTn id="22" dur="1" fill="hold">
+                                          <p:stCondLst>
+                                            <p:cond delay="0"/>
+                                          </p:stCondLst>
+                                        </p:cTn>
+                                        <p:tgtEl>
+                                          <p:spTgt spid="6"/>
+                                        </p:tgtEl>
+                                        <p:attrNameLst>
+                                          <p:attrName>style.visibility</p:attrName>
+                                        </p:attrNameLst>
+                                      </p:cBhvr>
+                                      <p:to>
+                                        <p:strVal val="visible"/>
+                                      </p:to>
+                                    </p:set>
+                                    <p:animEffect transition="in" filter="fade">
+                                      <p:cBhvr>
+                                        <p:cTn id="23" dur="2000"/>
+                                        <p:tgtEl>
+                                          <p:spTgt spid="6"/>
+                                        </p:tgtEl>
+                                      </p:cBhvr>
+                                    </p:animEffect>
+                                  </p:childTnLst>
+                                </p:cTn>
+                              </p:par>
+                            </p:childTnLst>
+                          </p:cTn>
+                        </p:par>
+                      </p:childTnLst>
+                    </p:cTn>
+                  </p:par>
+                </p:childTnLst>
+              </p:cTn>
+              <p:prevCondLst>
+                <p:cond evt="onPrev" delay="0">
+                  <p:tgtEl>
+                    <p:sldTgt/>
+                  </p:tgtEl>
+                </p:cond>
+              </p:prevCondLst>
+              <p:nextCondLst>
+                <p:cond evt="onNext" delay="0">
+                  <p:tgtEl>
+                    <p:sldTgt/>
+                  </p:tgtEl>
+                </p:cond>
+              </p:nextCondLst>
+            </p:seq>
+          </p:childTnLst>
+        </p:cTn>
+      </p:par>
+    </p:tnLst>
+  </p:timing>
 </p:sld>
 </file>
 
@@ -7694,7 +8622,7 @@
       </p:grpSpPr>
       <p:sp>
         <p:nvSpPr>
-          <p:cNvPr id="2" name="Title 1"/>
+          <p:cNvPr id="6" name="Title 5"/>
           <p:cNvSpPr>
             <a:spLocks noGrp="1"/>
           </p:cNvSpPr>
@@ -7704,92 +8632,170 @@
         </p:nvSpPr>
         <p:spPr/>
         <p:txBody>
-          <a:bodyPr>
-            <a:normAutofit/>
+          <a:bodyPr/>
+          <a:lstStyle/>
+          <a:p>
+            <a:r>
+              <a:rPr lang="en-US"/>
+              <a:t>Indentation and line lengths</a:t>
+            </a:r>
+          </a:p>
+        </p:txBody>
+      </p:sp>
+      <p:sp>
+        <p:nvSpPr>
+          <p:cNvPr id="5" name="Rectangle 4"/>
+          <p:cNvSpPr/>
+          <p:nvPr/>
+        </p:nvSpPr>
+        <p:spPr>
+          <a:xfrm>
+            <a:off x="1374138" y="1519937"/>
+            <a:ext cx="6391821" cy="4613753"/>
+          </a:xfrm>
+          <a:prstGeom prst="rect">
+            <a:avLst/>
+          </a:prstGeom>
+        </p:spPr>
+        <p:txBody>
+          <a:bodyPr wrap="square">
+            <a:spAutoFit/>
           </a:bodyPr>
           <a:lstStyle/>
           <a:p>
-            <a:r>
-              <a:rPr lang="en-US"/>
-              <a:t>Conventions for naming variables</a:t>
-            </a:r>
-          </a:p>
-        </p:txBody>
-      </p:sp>
-      <p:sp>
-        <p:nvSpPr>
-          <p:cNvPr id="3" name="Content Placeholder 2"/>
-          <p:cNvSpPr>
-            <a:spLocks noGrp="1"/>
-          </p:cNvSpPr>
-          <p:nvPr>
-            <p:ph sz="quarter" idx="1"/>
-          </p:nvPr>
-        </p:nvSpPr>
-        <p:spPr/>
-        <p:txBody>
-          <a:bodyPr>
-            <a:normAutofit fontScale="77500" lnSpcReduction="20000"/>
-          </a:bodyPr>
-          <a:lstStyle/>
-          <a:p>
-            <a:r>
-              <a:rPr lang="en-US"/>
-              <a:t>Variable and function names should be lowercase. Use an underscore (_) to separate words within a name. Generally, variable names should be nouns and function names should be verbs. Strive for names that are concise and meaningful (this is not easy!).</a:t>
-            </a:r>
-          </a:p>
-          <a:p>
-            <a:endParaRPr lang="en-US"/>
-          </a:p>
-          <a:p>
-            <a:r>
-              <a:rPr lang="en-US"/>
-              <a:t># Good</a:t>
-            </a:r>
-          </a:p>
-          <a:p>
-            <a:r>
-              <a:rPr lang="en-US"/>
-              <a:t>day_one</a:t>
-            </a:r>
-          </a:p>
-          <a:p>
-            <a:r>
-              <a:rPr lang="en-US"/>
-              <a:t>day_1</a:t>
-            </a:r>
-          </a:p>
-          <a:p>
-            <a:endParaRPr lang="en-US"/>
-          </a:p>
-          <a:p>
-            <a:r>
-              <a:rPr lang="en-US"/>
-              <a:t># Bad</a:t>
-            </a:r>
-          </a:p>
-          <a:p>
-            <a:r>
-              <a:rPr lang="en-US"/>
-              <a:t>first_day_of_the_month</a:t>
-            </a:r>
-          </a:p>
-          <a:p>
-            <a:r>
-              <a:rPr lang="en-US"/>
-              <a:t>DayOne</a:t>
-            </a:r>
-          </a:p>
-          <a:p>
-            <a:r>
-              <a:rPr lang="en-US"/>
-              <a:t>dayone</a:t>
-            </a:r>
-          </a:p>
-          <a:p>
-            <a:r>
-              <a:rPr lang="en-US"/>
-              <a:t>djm1</a:t>
+            <a:pPr marL="274320" lvl="1" indent="-274320">
+              <a:spcBef>
+                <a:spcPct val="20000"/>
+              </a:spcBef>
+              <a:buClr>
+                <a:schemeClr val="accent1"/>
+              </a:buClr>
+              <a:buSzPct val="85000"/>
+              <a:buFont typeface="Wingdings 2"/>
+              <a:buChar char=""/>
+            </a:pPr>
+            <a:r>
+              <a:rPr lang="en-US" sz="2118" dirty="0"/>
+              <a:t>Limit code to 80 characters per line</a:t>
+            </a:r>
+          </a:p>
+          <a:p>
+            <a:pPr marL="731520" lvl="3" indent="-274320">
+              <a:spcBef>
+                <a:spcPct val="20000"/>
+              </a:spcBef>
+              <a:buClr>
+                <a:schemeClr val="accent1"/>
+              </a:buClr>
+              <a:buSzPct val="85000"/>
+              <a:buFont typeface="Wingdings 2"/>
+              <a:buChar char=""/>
+            </a:pPr>
+            <a:r>
+              <a:rPr lang="en-US" sz="2118" dirty="0"/>
+              <a:t>If you run out of room, good idea to put some of that code in a separate function or object</a:t>
+            </a:r>
+          </a:p>
+          <a:p>
+            <a:pPr marL="274320" lvl="1" indent="-274320">
+              <a:spcBef>
+                <a:spcPct val="20000"/>
+              </a:spcBef>
+              <a:spcAft>
+                <a:spcPts val="1200"/>
+              </a:spcAft>
+              <a:buClr>
+                <a:schemeClr val="accent1"/>
+              </a:buClr>
+              <a:buSzPct val="85000"/>
+              <a:buFont typeface="Wingdings 2"/>
+              <a:buChar char=""/>
+            </a:pPr>
+            <a:endParaRPr lang="en-US" sz="2118" dirty="0"/>
+          </a:p>
+          <a:p>
+            <a:pPr marL="274320" lvl="1" indent="-274320">
+              <a:spcBef>
+                <a:spcPct val="20000"/>
+              </a:spcBef>
+              <a:buClr>
+                <a:schemeClr val="accent1"/>
+              </a:buClr>
+              <a:buSzPct val="85000"/>
+              <a:buFont typeface="Wingdings 2"/>
+              <a:buChar char=""/>
+            </a:pPr>
+            <a:r>
+              <a:rPr lang="en-US" sz="2118" dirty="0"/>
+              <a:t>When indenting:</a:t>
+            </a:r>
+          </a:p>
+          <a:p>
+            <a:pPr marL="731520" lvl="3" indent="-274320">
+              <a:spcBef>
+                <a:spcPct val="20000"/>
+              </a:spcBef>
+              <a:buClr>
+                <a:schemeClr val="accent1"/>
+              </a:buClr>
+              <a:buSzPct val="85000"/>
+              <a:buFont typeface="Wingdings 2"/>
+              <a:buChar char=""/>
+            </a:pPr>
+            <a:r>
+              <a:rPr lang="en-US" sz="2118" dirty="0"/>
+              <a:t>Use 2 spaces</a:t>
+            </a:r>
+          </a:p>
+          <a:p>
+            <a:pPr marL="1188720" lvl="5" indent="-274320">
+              <a:spcBef>
+                <a:spcPct val="20000"/>
+              </a:spcBef>
+              <a:buClr>
+                <a:schemeClr val="accent1"/>
+              </a:buClr>
+              <a:buSzPct val="85000"/>
+              <a:buFont typeface="Wingdings 2"/>
+              <a:buChar char=""/>
+            </a:pPr>
+            <a:r>
+              <a:rPr lang="en-US" sz="2118" dirty="0"/>
+              <a:t>Exception: when line break occurs inside ( ), align wrapped line with 1st character inside ()</a:t>
+            </a:r>
+          </a:p>
+          <a:p>
+            <a:pPr marL="731520" lvl="3" indent="-274320">
+              <a:spcBef>
+                <a:spcPct val="20000"/>
+              </a:spcBef>
+              <a:buClr>
+                <a:schemeClr val="accent1"/>
+              </a:buClr>
+              <a:buSzPct val="85000"/>
+              <a:buFont typeface="Wingdings 2"/>
+              <a:buChar char=""/>
+            </a:pPr>
+            <a:r>
+              <a:rPr lang="en-US" sz="2118" dirty="0"/>
+              <a:t>Never use tabs</a:t>
+            </a:r>
+          </a:p>
+          <a:p>
+            <a:pPr marL="1188720" lvl="5" indent="-274320">
+              <a:spcBef>
+                <a:spcPct val="20000"/>
+              </a:spcBef>
+              <a:buClr>
+                <a:schemeClr val="accent1"/>
+              </a:buClr>
+              <a:buSzPct val="85000"/>
+              <a:buFont typeface="Wingdings 2"/>
+              <a:buChar char=""/>
+            </a:pPr>
+            <a:r>
+              <a:rPr lang="en-US" sz="2118" dirty="0"/>
+              <a:t>Exception: when function definition runs over several lines</a:t>
             </a:r>
           </a:p>
         </p:txBody>
@@ -7799,6 +8805,13 @@
   <p:clrMapOvr>
     <a:masterClrMapping/>
   </p:clrMapOvr>
+  <p:timing>
+    <p:tnLst>
+      <p:par>
+        <p:cTn id="1" dur="indefinite" restart="never" nodeType="tmRoot"/>
+      </p:par>
+    </p:tnLst>
+  </p:timing>
 </p:sld>
 </file>
 
@@ -7961,7 +8974,7 @@
       </p:grpSpPr>
       <p:sp>
         <p:nvSpPr>
-          <p:cNvPr id="2" name="Title 1"/>
+          <p:cNvPr id="3" name="Title 2"/>
           <p:cNvSpPr>
             <a:spLocks noGrp="1"/>
           </p:cNvSpPr>
@@ -7971,66 +8984,83 @@
         </p:nvSpPr>
         <p:spPr/>
         <p:txBody>
+          <a:bodyPr/>
+          <a:lstStyle/>
+          <a:p>
+            <a:r>
+              <a:rPr lang="en-US"/>
+              <a:t>Spacing</a:t>
+            </a:r>
+          </a:p>
+        </p:txBody>
+      </p:sp>
+      <p:sp>
+        <p:nvSpPr>
+          <p:cNvPr id="4" name="Content Placeholder 3"/>
+          <p:cNvSpPr>
+            <a:spLocks noGrp="1"/>
+          </p:cNvSpPr>
+          <p:nvPr>
+            <p:ph sz="quarter" idx="4294967295"/>
+          </p:nvPr>
+        </p:nvSpPr>
+        <p:spPr>
+          <a:xfrm>
+            <a:off x="1374137" y="1527175"/>
+            <a:ext cx="6402232" cy="4781664"/>
+          </a:xfrm>
+        </p:spPr>
+        <p:txBody>
           <a:bodyPr>
-            <a:normAutofit/>
+            <a:normAutofit fontScale="92500"/>
           </a:bodyPr>
           <a:lstStyle/>
           <a:p>
             <a:r>
-              <a:rPr lang="en-US"/>
-              <a:t>Conventions for naming functions</a:t>
-            </a:r>
-          </a:p>
-        </p:txBody>
-      </p:sp>
-      <p:sp>
-        <p:nvSpPr>
-          <p:cNvPr id="3" name="Content Placeholder 2"/>
-          <p:cNvSpPr>
-            <a:spLocks noGrp="1"/>
-          </p:cNvSpPr>
-          <p:nvPr>
-            <p:ph sz="quarter" idx="1"/>
-          </p:nvPr>
-        </p:nvSpPr>
-        <p:spPr/>
-        <p:txBody>
-          <a:bodyPr>
-            <a:normAutofit/>
-          </a:bodyPr>
-          <a:lstStyle/>
-          <a:p>
-            <a:r>
-              <a:rPr lang="en-US"/>
-              <a:t>Where possible, avoid using names of existing functions and variables. This will cause confusion for the readers of your code.</a:t>
+              <a:rPr lang="en-US" sz="2118"/>
+              <a:t>Place spaces around all operators (=, +, -, &lt;-, etc.). The same rule applies when using = in function calls. Always put a space after a comma, and never before.</a:t>
+            </a:r>
+          </a:p>
+          <a:p>
+            <a:endParaRPr lang="en-US" sz="2118"/>
+          </a:p>
+          <a:p>
+            <a:r>
+              <a:rPr lang="en-US" sz="2118"/>
+              <a:t>There’s a small exception to this rule: </a:t>
+            </a:r>
+            <a:r>
+              <a:rPr lang="en-US" sz="2118" i="1"/>
+              <a:t>:, :: and ::: </a:t>
+            </a:r>
+            <a:r>
+              <a:rPr lang="en-US" sz="2118"/>
+              <a:t>don’t need spaces around them.</a:t>
+            </a:r>
+          </a:p>
+          <a:p>
+            <a:endParaRPr lang="en-US" sz="2118"/>
+          </a:p>
+          <a:p>
+            <a:r>
+              <a:rPr lang="en-US" sz="2118"/>
+              <a:t>Extra spacing (i.e., more than one space in a row) is ok if it improves alignment of equal signs or assignments (&lt;-).</a:t>
+            </a:r>
+          </a:p>
+          <a:p>
+            <a:endParaRPr lang="en-US" sz="2118"/>
+          </a:p>
+          <a:p>
+            <a:r>
+              <a:rPr lang="en-US" sz="2118"/>
+              <a:t>Don’t place spaces around code in parentheses or square brackets (unless there’s a comma, in which case see above).</a:t>
             </a:r>
           </a:p>
           <a:p>
             <a:endParaRPr lang="en-US"/>
           </a:p>
           <a:p>
-            <a:r>
-              <a:rPr lang="en-US"/>
-              <a:t># Bad</a:t>
-            </a:r>
-          </a:p>
-          <a:p>
-            <a:r>
-              <a:rPr lang="en-US"/>
-              <a:t>T &lt;- FALSE</a:t>
-            </a:r>
-          </a:p>
-          <a:p>
-            <a:r>
-              <a:rPr lang="en-US"/>
-              <a:t>c &lt;- 10</a:t>
-            </a:r>
-          </a:p>
-          <a:p>
-            <a:r>
-              <a:rPr lang="en-US"/>
-              <a:t>mean &lt;- function(x) sum(x)</a:t>
-            </a:r>
+            <a:endParaRPr lang="en-US"/>
           </a:p>
         </p:txBody>
       </p:sp>
@@ -8039,6 +9069,13 @@
   <p:clrMapOvr>
     <a:masterClrMapping/>
   </p:clrMapOvr>
+  <p:timing>
+    <p:tnLst>
+      <p:par>
+        <p:cTn id="1" dur="indefinite" restart="never" nodeType="tmRoot"/>
+      </p:par>
+    </p:tnLst>
+  </p:timing>
 </p:sld>
 </file>
 
@@ -8076,90 +9113,60 @@
           <a:p>
             <a:r>
               <a:rPr lang="en-US"/>
-              <a:t>A note on data cleaning</a:t>
-            </a:r>
-          </a:p>
-        </p:txBody>
-      </p:sp>
-      <p:sp>
-        <p:nvSpPr>
-          <p:cNvPr id="3" name="TextBox 2"/>
-          <p:cNvSpPr txBox="1"/>
-          <p:nvPr/>
+              <a:t>Curly braces</a:t>
+            </a:r>
+          </a:p>
+        </p:txBody>
+      </p:sp>
+      <p:sp>
+        <p:nvSpPr>
+          <p:cNvPr id="3" name="Content Placeholder 2"/>
+          <p:cNvSpPr>
+            <a:spLocks noGrp="1"/>
+          </p:cNvSpPr>
+          <p:nvPr>
+            <p:ph sz="quarter" idx="4294967295"/>
+          </p:nvPr>
         </p:nvSpPr>
         <p:spPr>
           <a:xfrm>
-            <a:off x="1074589" y="1616259"/>
-            <a:ext cx="7326745" cy="2862323"/>
-          </a:xfrm>
-          <a:prstGeom prst="rect">
-            <a:avLst/>
-          </a:prstGeom>
-          <a:noFill/>
-        </p:spPr>
-        <p:txBody>
-          <a:bodyPr wrap="square" rtlCol="0">
-            <a:spAutoFit/>
+            <a:off x="1374137" y="1527175"/>
+            <a:ext cx="6412642" cy="4572000"/>
+          </a:xfrm>
+        </p:spPr>
+        <p:txBody>
+          <a:bodyPr>
+            <a:normAutofit/>
           </a:bodyPr>
           <a:lstStyle/>
           <a:p>
             <a:r>
-              <a:rPr lang="en-US"/>
-              <a:t>Labelling all variables in your ‘clean dataset’ is very important (requires library memisc)!</a:t>
-            </a:r>
-          </a:p>
-          <a:p>
-            <a:pPr>
-              <a:buFont typeface="Arial"/>
-              <a:buChar char="•"/>
-            </a:pPr>
-            <a:r>
-              <a:rPr lang="en-US"/>
-              <a:t> description() : short description of the variable, always</a:t>
-            </a:r>
-          </a:p>
-          <a:p>
-            <a:pPr>
-              <a:buFont typeface="Arial"/>
-              <a:buChar char="•"/>
-            </a:pPr>
-            <a:r>
-              <a:rPr lang="en-US"/>
-              <a:t>wording() : wording of the question, if necessary</a:t>
-            </a:r>
-          </a:p>
-          <a:p>
-            <a:pPr>
-              <a:buFont typeface="Arial"/>
-              <a:buChar char="•"/>
-            </a:pPr>
-            <a:r>
-              <a:rPr lang="en-US"/>
-              <a:t>labels(): for values of a factor variable</a:t>
-            </a:r>
-          </a:p>
-          <a:p>
-            <a:pPr>
-              <a:buFont typeface="Arial"/>
-              <a:buChar char="•"/>
-            </a:pPr>
+              <a:rPr lang="en-US" sz="2118"/>
+              <a:t>An opening curly brace should never go on its own line and should always be followed by a new line. A closing curly brace should always go on its own line, unless it’s followed by else.</a:t>
+            </a:r>
+          </a:p>
+          <a:p>
+            <a:endParaRPr lang="en-US" sz="2118"/>
+          </a:p>
+          <a:p>
+            <a:r>
+              <a:rPr lang="en-US" sz="2118"/>
+              <a:t>Always indent the code inside curly braces.</a:t>
+            </a:r>
+          </a:p>
+          <a:p>
+            <a:endParaRPr lang="en-US" sz="2118"/>
+          </a:p>
+          <a:p>
+            <a:r>
+              <a:rPr lang="en-US" sz="2118"/>
+              <a:t>It’s ok to leave very short statements on the same line</a:t>
+            </a:r>
+          </a:p>
+          <a:p>
             <a:endParaRPr lang="en-US"/>
           </a:p>
           <a:p>
-            <a:pPr>
-              <a:buFont typeface="Arial"/>
-              <a:buChar char="•"/>
-            </a:pPr>
-            <a:r>
-              <a:rPr lang="en-US"/>
-              <a:t>Pro-tip: Label the variables exactly how you would want them to appear in a table for publication. This will save you time later when you automate your reports.</a:t>
-            </a:r>
-          </a:p>
-          <a:p>
-            <a:pPr>
-              <a:buFont typeface="Arial"/>
-              <a:buChar char="•"/>
-            </a:pPr>
             <a:endParaRPr lang="en-US"/>
           </a:p>
         </p:txBody>
@@ -8169,6 +9176,13 @@
   <p:clrMapOvr>
     <a:masterClrMapping/>
   </p:clrMapOvr>
+  <p:timing>
+    <p:tnLst>
+      <p:par>
+        <p:cTn id="1" dur="indefinite" restart="never" nodeType="tmRoot"/>
+      </p:par>
+    </p:tnLst>
+  </p:timing>
 </p:sld>
 </file>
 
@@ -8191,7 +9205,7 @@
       </p:grpSpPr>
       <p:sp>
         <p:nvSpPr>
-          <p:cNvPr id="2" name="Title 1"/>
+          <p:cNvPr id="3" name="Title 2"/>
           <p:cNvSpPr>
             <a:spLocks noGrp="1"/>
           </p:cNvSpPr>
@@ -8206,161 +9220,46 @@
           <a:p>
             <a:r>
               <a:rPr lang="en-US"/>
-              <a:t>Layout and ordering of code</a:t>
-            </a:r>
-          </a:p>
-        </p:txBody>
-      </p:sp>
-      <p:sp>
-        <p:nvSpPr>
-          <p:cNvPr id="3" name="TextBox 2"/>
-          <p:cNvSpPr txBox="1"/>
-          <p:nvPr/>
+              <a:t>Conventions for naming files</a:t>
+            </a:r>
+          </a:p>
+        </p:txBody>
+      </p:sp>
+      <p:sp>
+        <p:nvSpPr>
+          <p:cNvPr id="4" name="Content Placeholder 3"/>
+          <p:cNvSpPr>
+            <a:spLocks noGrp="1"/>
+          </p:cNvSpPr>
+          <p:nvPr>
+            <p:ph sz="quarter" idx="4294967295"/>
+          </p:nvPr>
         </p:nvSpPr>
         <p:spPr>
           <a:xfrm>
-            <a:off x="738042" y="1664626"/>
-            <a:ext cx="7948758" cy="2862323"/>
-          </a:xfrm>
-          <a:prstGeom prst="rect">
-            <a:avLst/>
-          </a:prstGeom>
-          <a:noFill/>
-        </p:spPr>
-        <p:txBody>
-          <a:bodyPr wrap="square" rtlCol="0">
-            <a:spAutoFit/>
+            <a:off x="1358133" y="1527175"/>
+            <a:ext cx="6432550" cy="4572000"/>
+          </a:xfrm>
+        </p:spPr>
+        <p:txBody>
+          <a:bodyPr>
+            <a:normAutofit/>
           </a:bodyPr>
           <a:lstStyle/>
           <a:p>
-            <a:pPr marL="342900" indent="-342900">
-              <a:buFont typeface="+mj-lt"/>
-              <a:buAutoNum type="arabicPeriod"/>
-            </a:pPr>
-            <a:r>
-              <a:rPr lang="en-US"/>
-              <a:t>Copyright statement comment</a:t>
-            </a:r>
-          </a:p>
-          <a:p>
-            <a:pPr marL="342900" indent="-342900">
-              <a:buFont typeface="+mj-lt"/>
-              <a:buAutoNum type="arabicPeriod"/>
-            </a:pPr>
-            <a:r>
-              <a:rPr lang="en-US"/>
-              <a:t>Author comment</a:t>
-            </a:r>
-          </a:p>
-          <a:p>
-            <a:pPr marL="342900" indent="-342900">
-              <a:buFont typeface="+mj-lt"/>
-              <a:buAutoNum type="arabicPeriod"/>
-            </a:pPr>
-            <a:r>
-              <a:rPr lang="en-US"/>
-              <a:t>File description comment, including purpose of program, inputs, and outputs</a:t>
-            </a:r>
-          </a:p>
-          <a:p>
-            <a:pPr marL="342900" indent="-342900">
-              <a:buFont typeface="+mj-lt"/>
-              <a:buAutoNum type="arabicPeriod"/>
-            </a:pPr>
-            <a:r>
-              <a:rPr lang="en-US"/>
-              <a:t>Function definitions</a:t>
-            </a:r>
-          </a:p>
-          <a:p>
-            <a:pPr marL="342900" indent="-342900">
-              <a:buFont typeface="+mj-lt"/>
-              <a:buAutoNum type="arabicPeriod"/>
-            </a:pPr>
-            <a:r>
-              <a:rPr lang="en-US"/>
-              <a:t>source( ) and library( ) statements</a:t>
-            </a:r>
-          </a:p>
-          <a:p>
-            <a:pPr marL="800100" lvl="1" indent="-342900">
-              <a:buFont typeface="+mj-lt"/>
-              <a:buAutoNum type="arabicPeriod"/>
-            </a:pPr>
-            <a:r>
-              <a:rPr lang="en-US"/>
-              <a:t>If it is a specialty package remind yourself which functions you are going to use in case you don’t have that package later, or decided you don’t need to use that function later.</a:t>
-            </a:r>
-          </a:p>
-          <a:p>
-            <a:pPr marL="342900" indent="-342900">
-              <a:buFont typeface="+mj-lt"/>
-              <a:buAutoNum type="arabicPeriod"/>
-            </a:pPr>
-            <a:r>
-              <a:rPr lang="en-US"/>
-              <a:t>Function definitions</a:t>
-            </a:r>
-          </a:p>
-          <a:p>
-            <a:pPr marL="342900" indent="-342900">
-              <a:buFont typeface="+mj-lt"/>
-              <a:buAutoNum type="arabicPeriod"/>
-            </a:pPr>
-            <a:r>
-              <a:rPr lang="en-US"/>
-              <a:t>Executed statements</a:t>
-            </a:r>
-          </a:p>
-        </p:txBody>
-      </p:sp>
-      <p:sp>
-        <p:nvSpPr>
-          <p:cNvPr id="4" name="TextBox 3"/>
-          <p:cNvSpPr txBox="1"/>
-          <p:nvPr/>
-        </p:nvSpPr>
-        <p:spPr>
-          <a:xfrm>
-            <a:off x="9342710" y="550594"/>
-            <a:ext cx="1296612" cy="1107996"/>
-          </a:xfrm>
-          <a:prstGeom prst="rect">
-            <a:avLst/>
-          </a:prstGeom>
-          <a:noFill/>
-        </p:spPr>
-        <p:txBody>
-          <a:bodyPr wrap="square" rtlCol="0">
-            <a:spAutoFit/>
-          </a:bodyPr>
-          <a:lstStyle/>
-          <a:p>
-            <a:pPr>
-              <a:buFont typeface="Arial"/>
-              <a:buChar char="•"/>
-            </a:pPr>
-            <a:r>
-              <a:rPr lang="en-US" sz="1200"/>
-              <a:t>Rule of Modularity</a:t>
-            </a:r>
-          </a:p>
-          <a:p>
-            <a:pPr>
-              <a:buFont typeface="Arial"/>
-              <a:buChar char="•"/>
-            </a:pPr>
-            <a:r>
-              <a:rPr lang="en-US" sz="1200"/>
-              <a:t>Rule  of Composition</a:t>
-            </a:r>
-          </a:p>
-          <a:p>
-            <a:pPr>
-              <a:buFont typeface="Arial"/>
-              <a:buChar char="•"/>
-            </a:pPr>
-            <a:endParaRPr lang="en-US"/>
+            <a:r>
+              <a:rPr lang="en-US" sz="2118"/>
+              <a:t>File names should be meaningful and end in .R.</a:t>
+            </a:r>
+          </a:p>
+          <a:p>
+            <a:endParaRPr lang="en-US" sz="2118"/>
+          </a:p>
+          <a:p>
+            <a:r>
+              <a:rPr lang="en-US" sz="2118"/>
+              <a:t>If files need to be run in sequence, prefix them with numbers</a:t>
+            </a:r>
           </a:p>
         </p:txBody>
       </p:sp>
@@ -8369,6 +9268,13 @@
   <p:clrMapOvr>
     <a:masterClrMapping/>
   </p:clrMapOvr>
+  <p:timing>
+    <p:tnLst>
+      <p:par>
+        <p:cTn id="1" dur="indefinite" restart="never" nodeType="tmRoot"/>
+      </p:par>
+    </p:tnLst>
+  </p:timing>
 </p:sld>
 </file>
 
@@ -8408,8 +9314,114 @@
           <a:p>
             <a:r>
               <a:rPr lang="en-US"/>
-              <a:t>Comments at the beginning of each file</a:t>
-            </a:r>
+              <a:t>Conventions for naming variables</a:t>
+            </a:r>
+          </a:p>
+        </p:txBody>
+      </p:sp>
+      <p:sp>
+        <p:nvSpPr>
+          <p:cNvPr id="3" name="Content Placeholder 2"/>
+          <p:cNvSpPr>
+            <a:spLocks noGrp="1"/>
+          </p:cNvSpPr>
+          <p:nvPr>
+            <p:ph sz="quarter" idx="4294967295"/>
+          </p:nvPr>
+        </p:nvSpPr>
+        <p:spPr>
+          <a:xfrm>
+            <a:off x="1363727" y="1527175"/>
+            <a:ext cx="6433462" cy="4572000"/>
+          </a:xfrm>
+        </p:spPr>
+        <p:txBody>
+          <a:bodyPr>
+            <a:normAutofit/>
+          </a:bodyPr>
+          <a:lstStyle/>
+          <a:p>
+            <a:pPr>
+              <a:spcAft>
+                <a:spcPts val="1200"/>
+              </a:spcAft>
+            </a:pPr>
+            <a:r>
+              <a:rPr lang="en-US" sz="2118"/>
+              <a:t>All letters should be lowercase. </a:t>
+            </a:r>
+          </a:p>
+          <a:p>
+            <a:pPr>
+              <a:spcAft>
+                <a:spcPts val="1200"/>
+              </a:spcAft>
+            </a:pPr>
+            <a:r>
+              <a:rPr lang="en-US" sz="2118"/>
+              <a:t>Use an underscore or period ( _ / . ) to separate words within a name. </a:t>
+            </a:r>
+          </a:p>
+          <a:p>
+            <a:pPr lvl="1">
+              <a:spcAft>
+                <a:spcPts val="1200"/>
+              </a:spcAft>
+            </a:pPr>
+            <a:r>
+              <a:rPr lang="en-US" sz="1618"/>
+              <a:t>Google (and Roxy) prefers ‘.’</a:t>
+            </a:r>
+          </a:p>
+          <a:p>
+            <a:pPr lvl="1">
+              <a:spcAft>
+                <a:spcPts val="1200"/>
+              </a:spcAft>
+            </a:pPr>
+            <a:r>
+              <a:rPr lang="en-US" sz="1618"/>
+              <a:t>Hadley prefers ‘_’</a:t>
+            </a:r>
+          </a:p>
+          <a:p>
+            <a:pPr>
+              <a:spcAft>
+                <a:spcPts val="1200"/>
+              </a:spcAft>
+            </a:pPr>
+            <a:r>
+              <a:rPr lang="en-US" sz="2118"/>
+              <a:t>Should be nouns </a:t>
+            </a:r>
+          </a:p>
+          <a:p>
+            <a:pPr>
+              <a:spcAft>
+                <a:spcPts val="1200"/>
+              </a:spcAft>
+            </a:pPr>
+            <a:r>
+              <a:rPr lang="en-US" sz="2118"/>
+              <a:t>Strive for names that are concise and meaningful</a:t>
+            </a:r>
+          </a:p>
+          <a:p>
+            <a:pPr>
+              <a:spcAft>
+                <a:spcPts val="1200"/>
+              </a:spcAft>
+            </a:pPr>
+            <a:r>
+              <a:rPr lang="en-US" sz="2118"/>
+              <a:t>Never name a variable T or F</a:t>
+            </a:r>
+          </a:p>
+          <a:p>
+            <a:pPr>
+              <a:buNone/>
+            </a:pPr>
+            <a:endParaRPr lang="en-US" sz="2118"/>
           </a:p>
         </p:txBody>
       </p:sp>
@@ -8418,6 +9430,13 @@
   <p:clrMapOvr>
     <a:masterClrMapping/>
   </p:clrMapOvr>
+  <p:timing>
+    <p:tnLst>
+      <p:par>
+        <p:cTn id="1" dur="indefinite" restart="never" nodeType="tmRoot"/>
+      </p:par>
+    </p:tnLst>
+  </p:timing>
 </p:sld>
 </file>
 
@@ -8457,8 +9476,92 @@
           <a:p>
             <a:r>
               <a:rPr lang="en-US"/>
-              <a:t>Comments at the beginning of each function</a:t>
-            </a:r>
+              <a:t>Conventions for naming functions</a:t>
+            </a:r>
+          </a:p>
+        </p:txBody>
+      </p:sp>
+      <p:sp>
+        <p:nvSpPr>
+          <p:cNvPr id="3" name="Content Placeholder 2"/>
+          <p:cNvSpPr>
+            <a:spLocks noGrp="1"/>
+          </p:cNvSpPr>
+          <p:nvPr>
+            <p:ph sz="quarter" idx="4294967295"/>
+          </p:nvPr>
+        </p:nvSpPr>
+        <p:spPr>
+          <a:xfrm>
+            <a:off x="1353316" y="1527175"/>
+            <a:ext cx="6454283" cy="4572000"/>
+          </a:xfrm>
+        </p:spPr>
+        <p:txBody>
+          <a:bodyPr>
+            <a:normAutofit/>
+          </a:bodyPr>
+          <a:lstStyle/>
+          <a:p>
+            <a:pPr>
+              <a:spcAft>
+                <a:spcPts val="1200"/>
+              </a:spcAft>
+            </a:pPr>
+            <a:r>
+              <a:rPr lang="en-US" sz="2118"/>
+              <a:t>Avoid using names of existing functions and variables. This will cause confusion for the readers of your code.</a:t>
+            </a:r>
+          </a:p>
+          <a:p>
+            <a:pPr>
+              <a:spcAft>
+                <a:spcPts val="1200"/>
+              </a:spcAft>
+            </a:pPr>
+            <a:r>
+              <a:rPr lang="en-US" sz="2118"/>
+              <a:t>Names should be verbs</a:t>
+            </a:r>
+          </a:p>
+          <a:p>
+            <a:pPr>
+              <a:spcAft>
+                <a:spcPts val="1200"/>
+              </a:spcAft>
+            </a:pPr>
+            <a:r>
+              <a:rPr lang="en-US" sz="2118"/>
+              <a:t>Camel case is the proper convention</a:t>
+            </a:r>
+          </a:p>
+          <a:p>
+            <a:pPr lvl="1">
+              <a:spcAft>
+                <a:spcPts val="1200"/>
+              </a:spcAft>
+            </a:pPr>
+            <a:r>
+              <a:rPr lang="en-US" sz="1618"/>
+              <a:t>First letter of first word is lowercase, while following words start with upper case letters</a:t>
+            </a:r>
+          </a:p>
+          <a:p>
+            <a:pPr lvl="2">
+              <a:spcAft>
+                <a:spcPts val="1200"/>
+              </a:spcAft>
+            </a:pPr>
+            <a:r>
+              <a:rPr lang="en-US" sz="1418"/>
+              <a:t>E.g. change.dates( ) is bad, while changeDates( ) is good</a:t>
+            </a:r>
+          </a:p>
+          <a:p>
+            <a:endParaRPr lang="en-US" sz="2118"/>
+          </a:p>
+          <a:p>
+            <a:endParaRPr lang="en-US"/>
           </a:p>
         </p:txBody>
       </p:sp>
@@ -8467,6 +9570,13 @@
   <p:clrMapOvr>
     <a:masterClrMapping/>
   </p:clrMapOvr>
+  <p:timing>
+    <p:tnLst>
+      <p:par>
+        <p:cTn id="1" dur="indefinite" restart="never" nodeType="tmRoot"/>
+      </p:par>
+    </p:tnLst>
+  </p:timing>
 </p:sld>
 </file>
 
@@ -8489,7 +9599,7 @@
       </p:grpSpPr>
       <p:sp>
         <p:nvSpPr>
-          <p:cNvPr id="4" name="Title 3"/>
+          <p:cNvPr id="2" name="Title 1"/>
           <p:cNvSpPr>
             <a:spLocks noGrp="1"/>
           </p:cNvSpPr>
@@ -8499,166 +9609,579 @@
         </p:nvSpPr>
         <p:spPr/>
         <p:txBody>
-          <a:bodyPr>
-            <a:normAutofit/>
-          </a:bodyPr>
-          <a:lstStyle/>
-          <a:p>
-            <a:r>
-              <a:rPr lang="en-US"/>
-              <a:t>Types of documents you can produce</a:t>
-            </a:r>
-          </a:p>
-        </p:txBody>
-      </p:sp>
-      <p:sp>
-        <p:nvSpPr>
-          <p:cNvPr id="5" name="TextBox 4"/>
-          <p:cNvSpPr txBox="1"/>
+          <a:bodyPr/>
+          <a:lstStyle/>
+          <a:p>
+            <a:r>
+              <a:rPr lang="en-US"/>
+              <a:t>A note on data cleaning</a:t>
+            </a:r>
+          </a:p>
+        </p:txBody>
+      </p:sp>
+      <p:sp>
+        <p:nvSpPr>
+          <p:cNvPr id="4" name="Rectangle 3"/>
+          <p:cNvSpPr/>
           <p:nvPr/>
         </p:nvSpPr>
         <p:spPr>
           <a:xfrm>
-            <a:off x="1047257" y="2094726"/>
-            <a:ext cx="6506361" cy="3693319"/>
+            <a:off x="1394959" y="1562539"/>
+            <a:ext cx="6371000" cy="4483379"/>
           </a:xfrm>
           <a:prstGeom prst="rect">
             <a:avLst/>
           </a:prstGeom>
-          <a:noFill/>
-        </p:spPr>
-        <p:txBody>
-          <a:bodyPr wrap="square" rtlCol="0">
+        </p:spPr>
+        <p:txBody>
+          <a:bodyPr wrap="square">
             <a:spAutoFit/>
           </a:bodyPr>
           <a:lstStyle/>
           <a:p>
-            <a:pPr>
-              <a:buFont typeface="Arial"/>
-              <a:buChar char="•"/>
-            </a:pPr>
-            <a:r>
-              <a:rPr lang="en-US"/>
-              <a:t>Interactive interfaces between models and results</a:t>
-            </a:r>
-          </a:p>
-          <a:p>
-            <a:pPr lvl="1">
-              <a:buFont typeface="Arial"/>
-              <a:buChar char="•"/>
-            </a:pPr>
-            <a:r>
-              <a:rPr lang="en-US"/>
-              <a:t>Shiny</a:t>
-            </a:r>
-          </a:p>
-          <a:p>
-            <a:pPr>
-              <a:buFont typeface="Arial"/>
-              <a:buChar char="•"/>
-            </a:pPr>
-            <a:r>
-              <a:rPr lang="en-US"/>
-              <a:t>Dynamic reports</a:t>
-            </a:r>
-          </a:p>
-          <a:p>
-            <a:pPr lvl="1">
-              <a:buFont typeface="Arial"/>
-              <a:buChar char="•"/>
-            </a:pPr>
-            <a:r>
-              <a:rPr lang="en-US"/>
-              <a:t>Knitr = runs chunks of R code and appends results to parallel document</a:t>
-            </a:r>
-          </a:p>
-          <a:p>
-            <a:pPr lvl="1">
-              <a:buFont typeface="Arial"/>
-              <a:buChar char="•"/>
-            </a:pPr>
-            <a:r>
-              <a:rPr lang="en-US"/>
-              <a:t>Pandoc = converts  the program to new format</a:t>
-            </a:r>
-          </a:p>
-          <a:p>
-            <a:pPr lvl="2">
-              <a:buFont typeface="Arial"/>
-              <a:buChar char="•"/>
-            </a:pPr>
-            <a:r>
-              <a:rPr lang="en-US"/>
-              <a:t>Html</a:t>
-            </a:r>
-          </a:p>
-          <a:p>
-            <a:pPr lvl="2">
-              <a:buFont typeface="Arial"/>
-              <a:buChar char="•"/>
-            </a:pPr>
-            <a:r>
-              <a:rPr lang="en-US"/>
-              <a:t>PDF</a:t>
-            </a:r>
-          </a:p>
-          <a:p>
-            <a:pPr lvl="2">
-              <a:buFont typeface="Arial"/>
-              <a:buChar char="•"/>
-            </a:pPr>
-            <a:r>
-              <a:rPr lang="en-US"/>
-              <a:t>Word</a:t>
-            </a:r>
-          </a:p>
-          <a:p>
-            <a:pPr lvl="2">
-              <a:buFont typeface="Arial"/>
-              <a:buChar char="•"/>
-            </a:pPr>
-            <a:r>
-              <a:rPr lang="en-US"/>
-              <a:t>PDF slide show</a:t>
-            </a:r>
-          </a:p>
-          <a:p>
-            <a:pPr lvl="1">
-              <a:buFont typeface="Arial"/>
-              <a:buChar char="•"/>
-            </a:pPr>
-            <a:r>
-              <a:rPr lang="en-US"/>
-              <a:t>Sweave</a:t>
-            </a:r>
-          </a:p>
-          <a:p>
-            <a:pPr lvl="2">
-              <a:buFont typeface="Arial"/>
-              <a:buChar char="•"/>
-            </a:pPr>
-            <a:r>
-              <a:rPr lang="en-US"/>
-              <a:t>LaTeX </a:t>
-            </a:r>
-          </a:p>
-          <a:p>
-            <a:pPr lvl="2">
-              <a:buFont typeface="Arial"/>
-              <a:buChar char="•"/>
-            </a:pPr>
-            <a:r>
-              <a:rPr lang="en-US"/>
-              <a:t>LyX</a:t>
-            </a:r>
-          </a:p>
-        </p:txBody>
-      </p:sp>
+            <a:pPr marL="274320" indent="-274320">
+              <a:spcBef>
+                <a:spcPct val="20000"/>
+              </a:spcBef>
+              <a:spcAft>
+                <a:spcPts val="1200"/>
+              </a:spcAft>
+              <a:buClr>
+                <a:schemeClr val="accent1"/>
+              </a:buClr>
+              <a:buSzPct val="85000"/>
+              <a:buFont typeface="Wingdings 2"/>
+              <a:buChar char=""/>
+            </a:pPr>
+            <a:r>
+              <a:rPr lang="en-US" sz="2118"/>
+              <a:t>Labelling all variables in your ‘clean dataset’ is very important (requires library memisc)!</a:t>
+            </a:r>
+          </a:p>
+          <a:p>
+            <a:pPr marL="731520" lvl="2" indent="-274320">
+              <a:spcBef>
+                <a:spcPct val="20000"/>
+              </a:spcBef>
+              <a:buClr>
+                <a:schemeClr val="accent1"/>
+              </a:buClr>
+              <a:buSzPct val="85000"/>
+              <a:buFont typeface="Wingdings 2"/>
+              <a:buChar char=""/>
+            </a:pPr>
+            <a:r>
+              <a:rPr lang="en-US" sz="2118"/>
+              <a:t>description() : short description of the variable, always</a:t>
+            </a:r>
+          </a:p>
+          <a:p>
+            <a:pPr marL="731520" lvl="2" indent="-274320">
+              <a:spcBef>
+                <a:spcPct val="20000"/>
+              </a:spcBef>
+              <a:buClr>
+                <a:schemeClr val="accent1"/>
+              </a:buClr>
+              <a:buSzPct val="85000"/>
+              <a:buFont typeface="Wingdings 2"/>
+              <a:buChar char=""/>
+            </a:pPr>
+            <a:r>
+              <a:rPr lang="en-US" sz="2118"/>
+              <a:t>wording() : wording of the question, if necessary</a:t>
+            </a:r>
+          </a:p>
+          <a:p>
+            <a:pPr marL="731520" lvl="2" indent="-274320">
+              <a:spcBef>
+                <a:spcPct val="20000"/>
+              </a:spcBef>
+              <a:buClr>
+                <a:schemeClr val="accent1"/>
+              </a:buClr>
+              <a:buSzPct val="85000"/>
+              <a:buFont typeface="Wingdings 2"/>
+              <a:buChar char=""/>
+            </a:pPr>
+            <a:r>
+              <a:rPr lang="en-US" sz="2118"/>
+              <a:t>labels(): for values of a factor variable</a:t>
+            </a:r>
+          </a:p>
+          <a:p>
+            <a:pPr marL="274320" lvl="1" indent="-274320">
+              <a:spcBef>
+                <a:spcPct val="20000"/>
+              </a:spcBef>
+              <a:buClr>
+                <a:schemeClr val="accent1"/>
+              </a:buClr>
+              <a:buSzPct val="85000"/>
+              <a:buFont typeface="Wingdings 2"/>
+              <a:buChar char=""/>
+            </a:pPr>
+            <a:endParaRPr lang="en-US" sz="2118"/>
+          </a:p>
+          <a:p>
+            <a:pPr marL="274320" indent="-274320">
+              <a:spcBef>
+                <a:spcPct val="20000"/>
+              </a:spcBef>
+              <a:spcAft>
+                <a:spcPts val="1200"/>
+              </a:spcAft>
+              <a:buClr>
+                <a:schemeClr val="accent1"/>
+              </a:buClr>
+              <a:buSzPct val="85000"/>
+              <a:buFont typeface="Wingdings 2"/>
+              <a:buChar char=""/>
+            </a:pPr>
+            <a:r>
+              <a:rPr lang="en-US" sz="2118"/>
+              <a:t>Pro-tip: Label the variables exactly how you would want them to appear in a table for publication. This will save you time later when you automate your reports.</a:t>
+            </a:r>
+          </a:p>
+        </p:txBody>
+      </p:sp>
+      <p:grpSp>
+        <p:nvGrpSpPr>
+          <p:cNvPr id="5" name="Group 4"/>
+          <p:cNvGrpSpPr/>
+          <p:nvPr/>
+        </p:nvGrpSpPr>
+        <p:grpSpPr>
+          <a:xfrm>
+            <a:off x="5978744" y="1237360"/>
+            <a:ext cx="2857408" cy="1377238"/>
+            <a:chOff x="8303645" y="3268794"/>
+            <a:chExt cx="2857408" cy="1377238"/>
+          </a:xfrm>
+        </p:grpSpPr>
+        <p:sp>
+          <p:nvSpPr>
+            <p:cNvPr id="6" name="Wave 5"/>
+            <p:cNvSpPr/>
+            <p:nvPr/>
+          </p:nvSpPr>
+          <p:spPr>
+            <a:xfrm>
+              <a:off x="8303645" y="3268794"/>
+              <a:ext cx="2857408" cy="1377238"/>
+            </a:xfrm>
+            <a:prstGeom prst="wave">
+              <a:avLst/>
+            </a:prstGeom>
+          </p:spPr>
+          <p:style>
+            <a:lnRef idx="2">
+              <a:schemeClr val="accent6">
+                <a:shade val="50000"/>
+              </a:schemeClr>
+            </a:lnRef>
+            <a:fillRef idx="1">
+              <a:schemeClr val="accent6"/>
+            </a:fillRef>
+            <a:effectRef idx="0">
+              <a:schemeClr val="accent6"/>
+            </a:effectRef>
+            <a:fontRef idx="minor">
+              <a:schemeClr val="lt1"/>
+            </a:fontRef>
+          </p:style>
+          <p:txBody>
+            <a:bodyPr rtlCol="0" anchor="ctr"/>
+            <a:lstStyle/>
+            <a:p>
+              <a:pPr algn="ctr"/>
+              <a:endParaRPr lang="en-US"/>
+            </a:p>
+          </p:txBody>
+        </p:sp>
+        <p:sp>
+          <p:nvSpPr>
+            <p:cNvPr id="7" name="TextBox 6"/>
+            <p:cNvSpPr txBox="1"/>
+            <p:nvPr/>
+          </p:nvSpPr>
+          <p:spPr>
+            <a:xfrm>
+              <a:off x="8303645" y="3676953"/>
+              <a:ext cx="2857408" cy="523220"/>
+            </a:xfrm>
+            <a:prstGeom prst="rect">
+              <a:avLst/>
+            </a:prstGeom>
+            <a:noFill/>
+          </p:spPr>
+          <p:txBody>
+            <a:bodyPr wrap="square" rtlCol="0">
+              <a:spAutoFit/>
+            </a:bodyPr>
+            <a:lstStyle/>
+            <a:p>
+              <a:pPr algn="ctr"/>
+              <a:r>
+                <a:rPr lang="en-US" sz="2800">
+                  <a:ln w="18415" cmpd="sng">
+                    <a:solidFill>
+                      <a:srgbClr val="FFFFFF"/>
+                    </a:solidFill>
+                    <a:prstDash val="solid"/>
+                  </a:ln>
+                  <a:solidFill>
+                    <a:srgbClr val="FFFFFF"/>
+                  </a:solidFill>
+                  <a:effectLst>
+                    <a:outerShdw blurRad="63500" dir="3600000" algn="tl" rotWithShape="0">
+                      <a:srgbClr val="000000">
+                        <a:alpha val="70000"/>
+                      </a:srgbClr>
+                    </a:outerShdw>
+                  </a:effectLst>
+                </a:rPr>
+                <a:t>Efficiency</a:t>
+              </a:r>
+              <a:endParaRPr lang="en-US" sz="2800" b="1">
+                <a:ln w="19050">
+                  <a:solidFill>
+                    <a:schemeClr val="tx2">
+                      <a:tint val="1000"/>
+                    </a:schemeClr>
+                  </a:solidFill>
+                  <a:prstDash val="solid"/>
+                </a:ln>
+                <a:solidFill>
+                  <a:schemeClr val="accent3"/>
+                </a:solidFill>
+                <a:effectLst>
+                  <a:outerShdw blurRad="50000" dist="50800" dir="7500000" algn="tl">
+                    <a:srgbClr val="000000">
+                      <a:shade val="5000"/>
+                      <a:alpha val="35000"/>
+                    </a:srgbClr>
+                  </a:outerShdw>
+                </a:effectLst>
+              </a:endParaRPr>
+            </a:p>
+          </p:txBody>
+        </p:sp>
+      </p:grpSp>
     </p:spTree>
   </p:cSld>
   <p:clrMapOvr>
     <a:masterClrMapping/>
   </p:clrMapOvr>
+  <p:timing>
+    <p:tnLst>
+      <p:par>
+        <p:cTn id="1" dur="indefinite" restart="never" nodeType="tmRoot">
+          <p:childTnLst>
+            <p:seq concurrent="1" nextAc="seek">
+              <p:cTn id="2" dur="indefinite" nodeType="mainSeq">
+                <p:childTnLst>
+                  <p:par>
+                    <p:cTn id="3" fill="hold">
+                      <p:stCondLst>
+                        <p:cond delay="indefinite"/>
+                      </p:stCondLst>
+                      <p:childTnLst>
+                        <p:par>
+                          <p:cTn id="4" fill="hold">
+                            <p:stCondLst>
+                              <p:cond delay="0"/>
+                            </p:stCondLst>
+                            <p:childTnLst>
+                              <p:par>
+                                <p:cTn id="5" presetID="1" presetClass="entr" presetSubtype="0" fill="hold" nodeType="clickEffect">
+                                  <p:stCondLst>
+                                    <p:cond delay="0"/>
+                                  </p:stCondLst>
+                                  <p:childTnLst>
+                                    <p:set>
+                                      <p:cBhvr>
+                                        <p:cTn id="6" dur="1" fill="hold">
+                                          <p:stCondLst>
+                                            <p:cond delay="0"/>
+                                          </p:stCondLst>
+                                        </p:cTn>
+                                        <p:tgtEl>
+                                          <p:spTgt spid="5"/>
+                                        </p:tgtEl>
+                                        <p:attrNameLst>
+                                          <p:attrName>style.visibility</p:attrName>
+                                        </p:attrNameLst>
+                                      </p:cBhvr>
+                                      <p:to>
+                                        <p:strVal val="visible"/>
+                                      </p:to>
+                                    </p:set>
+                                  </p:childTnLst>
+                                </p:cTn>
+                              </p:par>
+                            </p:childTnLst>
+                          </p:cTn>
+                        </p:par>
+                      </p:childTnLst>
+                    </p:cTn>
+                  </p:par>
+                  <p:par>
+                    <p:cTn id="7" fill="hold">
+                      <p:stCondLst>
+                        <p:cond delay="indefinite"/>
+                      </p:stCondLst>
+                      <p:childTnLst>
+                        <p:par>
+                          <p:cTn id="8" fill="hold">
+                            <p:stCondLst>
+                              <p:cond delay="0"/>
+                            </p:stCondLst>
+                            <p:childTnLst>
+                              <p:par>
+                                <p:cTn id="9" presetID="1" presetClass="entr" presetSubtype="0" fill="hold" nodeType="clickEffect">
+                                  <p:stCondLst>
+                                    <p:cond delay="0"/>
+                                  </p:stCondLst>
+                                  <p:childTnLst>
+                                    <p:set>
+                                      <p:cBhvr>
+                                        <p:cTn id="10" dur="1" fill="hold">
+                                          <p:stCondLst>
+                                            <p:cond delay="0"/>
+                                          </p:stCondLst>
+                                        </p:cTn>
+                                        <p:tgtEl>
+                                          <p:spTgt spid="5"/>
+                                        </p:tgtEl>
+                                        <p:attrNameLst>
+                                          <p:attrName>style.visibility</p:attrName>
+                                        </p:attrNameLst>
+                                      </p:cBhvr>
+                                      <p:to>
+                                        <p:strVal val="visible"/>
+                                      </p:to>
+                                    </p:set>
+                                  </p:childTnLst>
+                                </p:cTn>
+                              </p:par>
+                            </p:childTnLst>
+                          </p:cTn>
+                        </p:par>
+                      </p:childTnLst>
+                    </p:cTn>
+                  </p:par>
+                  <p:par>
+                    <p:cTn id="11" fill="hold">
+                      <p:stCondLst>
+                        <p:cond delay="indefinite"/>
+                      </p:stCondLst>
+                      <p:childTnLst>
+                        <p:par>
+                          <p:cTn id="12" fill="hold">
+                            <p:stCondLst>
+                              <p:cond delay="0"/>
+                            </p:stCondLst>
+                            <p:childTnLst>
+                              <p:par>
+                                <p:cTn id="13" presetID="1" presetClass="entr" presetSubtype="0" fill="hold" nodeType="clickEffect">
+                                  <p:stCondLst>
+                                    <p:cond delay="0"/>
+                                  </p:stCondLst>
+                                  <p:childTnLst>
+                                    <p:set>
+                                      <p:cBhvr>
+                                        <p:cTn id="14" dur="1" fill="hold">
+                                          <p:stCondLst>
+                                            <p:cond delay="0"/>
+                                          </p:stCondLst>
+                                        </p:cTn>
+                                        <p:tgtEl>
+                                          <p:spTgt spid="5"/>
+                                        </p:tgtEl>
+                                        <p:attrNameLst>
+                                          <p:attrName>style.visibility</p:attrName>
+                                        </p:attrNameLst>
+                                      </p:cBhvr>
+                                      <p:to>
+                                        <p:strVal val="visible"/>
+                                      </p:to>
+                                    </p:set>
+                                  </p:childTnLst>
+                                </p:cTn>
+                              </p:par>
+                            </p:childTnLst>
+                          </p:cTn>
+                        </p:par>
+                      </p:childTnLst>
+                    </p:cTn>
+                  </p:par>
+                  <p:par>
+                    <p:cTn id="15" fill="hold">
+                      <p:stCondLst>
+                        <p:cond delay="indefinite"/>
+                      </p:stCondLst>
+                      <p:childTnLst>
+                        <p:par>
+                          <p:cTn id="16" fill="hold">
+                            <p:stCondLst>
+                              <p:cond delay="0"/>
+                            </p:stCondLst>
+                            <p:childTnLst>
+                              <p:par>
+                                <p:cTn id="17" presetID="1" presetClass="entr" presetSubtype="0" fill="hold" nodeType="clickEffect">
+                                  <p:stCondLst>
+                                    <p:cond delay="0"/>
+                                  </p:stCondLst>
+                                  <p:childTnLst>
+                                    <p:set>
+                                      <p:cBhvr>
+                                        <p:cTn id="18" dur="1" fill="hold">
+                                          <p:stCondLst>
+                                            <p:cond delay="0"/>
+                                          </p:stCondLst>
+                                        </p:cTn>
+                                        <p:tgtEl>
+                                          <p:spTgt spid="5"/>
+                                        </p:tgtEl>
+                                        <p:attrNameLst>
+                                          <p:attrName>style.visibility</p:attrName>
+                                        </p:attrNameLst>
+                                      </p:cBhvr>
+                                      <p:to>
+                                        <p:strVal val="visible"/>
+                                      </p:to>
+                                    </p:set>
+                                  </p:childTnLst>
+                                </p:cTn>
+                              </p:par>
+                            </p:childTnLst>
+                          </p:cTn>
+                        </p:par>
+                      </p:childTnLst>
+                    </p:cTn>
+                  </p:par>
+                  <p:par>
+                    <p:cTn id="19" fill="hold">
+                      <p:stCondLst>
+                        <p:cond delay="indefinite"/>
+                      </p:stCondLst>
+                      <p:childTnLst>
+                        <p:par>
+                          <p:cTn id="20" fill="hold">
+                            <p:stCondLst>
+                              <p:cond delay="0"/>
+                            </p:stCondLst>
+                            <p:childTnLst>
+                              <p:par>
+                                <p:cTn id="21" presetID="1" presetClass="entr" presetSubtype="0" fill="hold" nodeType="clickEffect">
+                                  <p:stCondLst>
+                                    <p:cond delay="0"/>
+                                  </p:stCondLst>
+                                  <p:childTnLst>
+                                    <p:set>
+                                      <p:cBhvr>
+                                        <p:cTn id="22" dur="1" fill="hold">
+                                          <p:stCondLst>
+                                            <p:cond delay="0"/>
+                                          </p:stCondLst>
+                                        </p:cTn>
+                                        <p:tgtEl>
+                                          <p:spTgt spid="5"/>
+                                        </p:tgtEl>
+                                        <p:attrNameLst>
+                                          <p:attrName>style.visibility</p:attrName>
+                                        </p:attrNameLst>
+                                      </p:cBhvr>
+                                      <p:to>
+                                        <p:strVal val="visible"/>
+                                      </p:to>
+                                    </p:set>
+                                  </p:childTnLst>
+                                </p:cTn>
+                              </p:par>
+                            </p:childTnLst>
+                          </p:cTn>
+                        </p:par>
+                      </p:childTnLst>
+                    </p:cTn>
+                  </p:par>
+                  <p:par>
+                    <p:cTn id="23" fill="hold">
+                      <p:stCondLst>
+                        <p:cond delay="indefinite"/>
+                      </p:stCondLst>
+                      <p:childTnLst>
+                        <p:par>
+                          <p:cTn id="24" fill="hold">
+                            <p:stCondLst>
+                              <p:cond delay="0"/>
+                            </p:stCondLst>
+                            <p:childTnLst>
+                              <p:par>
+                                <p:cTn id="25" presetID="10" presetClass="entr" presetSubtype="0" fill="hold" nodeType="clickEffect">
+                                  <p:stCondLst>
+                                    <p:cond delay="0"/>
+                                  </p:stCondLst>
+                                  <p:childTnLst>
+                                    <p:set>
+                                      <p:cBhvr>
+                                        <p:cTn id="26" dur="1" fill="hold">
+                                          <p:stCondLst>
+                                            <p:cond delay="0"/>
+                                          </p:stCondLst>
+                                        </p:cTn>
+                                        <p:tgtEl>
+                                          <p:spTgt spid="5"/>
+                                        </p:tgtEl>
+                                        <p:attrNameLst>
+                                          <p:attrName>style.visibility</p:attrName>
+                                        </p:attrNameLst>
+                                      </p:cBhvr>
+                                      <p:to>
+                                        <p:strVal val="visible"/>
+                                      </p:to>
+                                    </p:set>
+                                    <p:animEffect transition="in" filter="fade">
+                                      <p:cBhvr>
+                                        <p:cTn id="27" dur="2000"/>
+                                        <p:tgtEl>
+                                          <p:spTgt spid="5"/>
+                                        </p:tgtEl>
+                                      </p:cBhvr>
+                                    </p:animEffect>
+                                  </p:childTnLst>
+                                </p:cTn>
+                              </p:par>
+                            </p:childTnLst>
+                          </p:cTn>
+                        </p:par>
+                      </p:childTnLst>
+                    </p:cTn>
+                  </p:par>
+                </p:childTnLst>
+              </p:cTn>
+              <p:prevCondLst>
+                <p:cond evt="onPrev" delay="0">
+                  <p:tgtEl>
+                    <p:sldTgt/>
+                  </p:tgtEl>
+                </p:cond>
+              </p:prevCondLst>
+              <p:nextCondLst>
+                <p:cond evt="onNext" delay="0">
+                  <p:tgtEl>
+                    <p:sldTgt/>
+                  </p:tgtEl>
+                </p:cond>
+              </p:nextCondLst>
+            </p:seq>
+          </p:childTnLst>
+        </p:cTn>
+      </p:par>
+    </p:tnLst>
+  </p:timing>
 </p:sld>
 </file>
 
@@ -8696,7 +10219,155 @@
           <a:p>
             <a:r>
               <a:rPr lang="en-US"/>
-              <a:t>RMarkdown</a:t>
+              <a:t>Layout and ordering of code</a:t>
+            </a:r>
+          </a:p>
+        </p:txBody>
+      </p:sp>
+      <p:sp>
+        <p:nvSpPr>
+          <p:cNvPr id="3" name="TextBox 2"/>
+          <p:cNvSpPr txBox="1"/>
+          <p:nvPr/>
+        </p:nvSpPr>
+        <p:spPr>
+          <a:xfrm>
+            <a:off x="1363728" y="1466817"/>
+            <a:ext cx="6381411" cy="4924426"/>
+          </a:xfrm>
+          <a:prstGeom prst="rect">
+            <a:avLst/>
+          </a:prstGeom>
+          <a:noFill/>
+        </p:spPr>
+        <p:txBody>
+          <a:bodyPr wrap="square" rtlCol="0">
+            <a:spAutoFit/>
+          </a:bodyPr>
+          <a:lstStyle/>
+          <a:p>
+            <a:pPr marL="342900" indent="-342900">
+              <a:spcAft>
+                <a:spcPts val="1200"/>
+              </a:spcAft>
+              <a:buFont typeface="+mj-lt"/>
+              <a:buAutoNum type="arabicPeriod"/>
+            </a:pPr>
+            <a:r>
+              <a:rPr lang="en-US"/>
+              <a:t>Copyright statement comment</a:t>
+            </a:r>
+          </a:p>
+          <a:p>
+            <a:pPr marL="342900" indent="-342900">
+              <a:spcAft>
+                <a:spcPts val="1200"/>
+              </a:spcAft>
+              <a:buFont typeface="+mj-lt"/>
+              <a:buAutoNum type="arabicPeriod"/>
+            </a:pPr>
+            <a:r>
+              <a:rPr lang="en-US"/>
+              <a:t>Author comment</a:t>
+            </a:r>
+          </a:p>
+          <a:p>
+            <a:pPr marL="342900" indent="-342900">
+              <a:spcAft>
+                <a:spcPts val="1200"/>
+              </a:spcAft>
+              <a:buFont typeface="+mj-lt"/>
+              <a:buAutoNum type="arabicPeriod"/>
+            </a:pPr>
+            <a:r>
+              <a:rPr lang="en-US"/>
+              <a:t>File description comment, including purpose of program, inputs, and outputs</a:t>
+            </a:r>
+          </a:p>
+          <a:p>
+            <a:pPr marL="342900" indent="-342900">
+              <a:spcAft>
+                <a:spcPts val="1200"/>
+              </a:spcAft>
+              <a:buFont typeface="+mj-lt"/>
+              <a:buAutoNum type="arabicPeriod"/>
+            </a:pPr>
+            <a:r>
+              <a:rPr lang="en-US"/>
+              <a:t>Dependencies</a:t>
+            </a:r>
+          </a:p>
+          <a:p>
+            <a:pPr marL="800100" lvl="1" indent="-342900">
+              <a:spcAft>
+                <a:spcPts val="1200"/>
+              </a:spcAft>
+              <a:buFont typeface="+mj-lt"/>
+              <a:buAutoNum type="arabicPeriod"/>
+            </a:pPr>
+            <a:r>
+              <a:rPr lang="en-US"/>
+              <a:t>s</a:t>
+            </a:r>
+            <a:r>
+              <a:rPr lang="en-US"/>
+              <a:t>ource ( )</a:t>
+            </a:r>
+          </a:p>
+          <a:p>
+            <a:pPr marL="800100" lvl="1" indent="-342900">
+              <a:spcAft>
+                <a:spcPts val="1200"/>
+              </a:spcAft>
+              <a:buFont typeface="+mj-lt"/>
+              <a:buAutoNum type="arabicPeriod"/>
+            </a:pPr>
+            <a:r>
+              <a:rPr lang="en-US"/>
+              <a:t>l</a:t>
+            </a:r>
+            <a:r>
+              <a:rPr lang="en-US"/>
+              <a:t>ibrary( )</a:t>
+            </a:r>
+          </a:p>
+          <a:p>
+            <a:pPr marL="1257300" lvl="2" indent="-342900">
+              <a:spcAft>
+                <a:spcPts val="1200"/>
+              </a:spcAft>
+              <a:buFont typeface="+mj-lt"/>
+              <a:buAutoNum type="arabicPeriod"/>
+            </a:pPr>
+            <a:r>
+              <a:rPr lang="en-US"/>
+              <a:t>If it is a specialty package remind yourself which functions you are going to use in case you don’t have that package later, or decided you don’t need to use that function later.</a:t>
+            </a:r>
+          </a:p>
+          <a:p>
+            <a:pPr marL="342900" indent="-342900">
+              <a:spcAft>
+                <a:spcPts val="1200"/>
+              </a:spcAft>
+              <a:buFont typeface="+mj-lt"/>
+              <a:buAutoNum type="arabicPeriod"/>
+            </a:pPr>
+            <a:r>
+              <a:rPr lang="en-US"/>
+              <a:t>Function definitions</a:t>
+            </a:r>
+          </a:p>
+          <a:p>
+            <a:pPr marL="342900" indent="-342900">
+              <a:spcAft>
+                <a:spcPts val="1200"/>
+              </a:spcAft>
+              <a:buFont typeface="+mj-lt"/>
+              <a:buAutoNum type="arabicPeriod"/>
+            </a:pPr>
+            <a:r>
+              <a:rPr lang="en-US"/>
+              <a:t>Executed statements</a:t>
             </a:r>
           </a:p>
         </p:txBody>
@@ -8706,6 +10377,13 @@
   <p:clrMapOvr>
     <a:masterClrMapping/>
   </p:clrMapOvr>
+  <p:timing>
+    <p:tnLst>
+      <p:par>
+        <p:cTn id="1" dur="indefinite" restart="never" nodeType="tmRoot"/>
+      </p:par>
+    </p:tnLst>
+  </p:timing>
 </p:sld>
 </file>
 
@@ -8738,12 +10416,14 @@
         </p:nvSpPr>
         <p:spPr/>
         <p:txBody>
-          <a:bodyPr/>
-          <a:lstStyle/>
-          <a:p>
-            <a:r>
-              <a:rPr lang="en-US"/>
-              <a:t>YAML</a:t>
+          <a:bodyPr>
+            <a:normAutofit/>
+          </a:bodyPr>
+          <a:lstStyle/>
+          <a:p>
+            <a:r>
+              <a:rPr lang="en-US"/>
+              <a:t>Comments at the beginning of each file</a:t>
             </a:r>
           </a:p>
         </p:txBody>
@@ -8785,26 +10465,77 @@
         </p:nvSpPr>
         <p:spPr/>
         <p:txBody>
-          <a:bodyPr/>
-          <a:lstStyle/>
-          <a:p>
-            <a:r>
-              <a:rPr lang="en-US"/>
-              <a:t>References</a:t>
-            </a:r>
-          </a:p>
-        </p:txBody>
-      </p:sp>
-      <p:sp>
-        <p:nvSpPr>
-          <p:cNvPr id="3" name="TextBox 2"/>
+          <a:bodyPr>
+            <a:normAutofit/>
+          </a:bodyPr>
+          <a:lstStyle/>
+          <a:p>
+            <a:r>
+              <a:rPr lang="en-US"/>
+              <a:t>Comments at the beginning of each function</a:t>
+            </a:r>
+          </a:p>
+        </p:txBody>
+      </p:sp>
+    </p:spTree>
+  </p:cSld>
+  <p:clrMapOvr>
+    <a:masterClrMapping/>
+  </p:clrMapOvr>
+</p:sld>
+</file>
+
+<file path=ppt/slides/slide29.xml><?xml version="1.0" encoding="utf-8"?>
+<p:sld xmlns:a="http://schemas.openxmlformats.org/drawingml/2006/main" xmlns:r="http://schemas.openxmlformats.org/officeDocument/2006/relationships" xmlns:mc="http://schemas.openxmlformats.org/markup-compatibility/2006" xmlns:mv="urn:schemas-microsoft-com:mac:vml" xmlns:p="http://schemas.openxmlformats.org/presentationml/2006/main" mc:Ignorable="mv" mc:PreserveAttributes="mv:*">
+  <p:cSld>
+    <p:spTree>
+      <p:nvGrpSpPr>
+        <p:cNvPr id="1" name=""/>
+        <p:cNvGrpSpPr/>
+        <p:nvPr/>
+      </p:nvGrpSpPr>
+      <p:grpSpPr>
+        <a:xfrm>
+          <a:off x="0" y="0"/>
+          <a:ext cx="0" cy="0"/>
+          <a:chOff x="0" y="0"/>
+          <a:chExt cx="0" cy="0"/>
+        </a:xfrm>
+      </p:grpSpPr>
+      <p:sp>
+        <p:nvSpPr>
+          <p:cNvPr id="4" name="Title 3"/>
+          <p:cNvSpPr>
+            <a:spLocks noGrp="1"/>
+          </p:cNvSpPr>
+          <p:nvPr>
+            <p:ph type="title"/>
+          </p:nvPr>
+        </p:nvSpPr>
+        <p:spPr/>
+        <p:txBody>
+          <a:bodyPr>
+            <a:normAutofit/>
+          </a:bodyPr>
+          <a:lstStyle/>
+          <a:p>
+            <a:r>
+              <a:rPr lang="en-US"/>
+              <a:t>Types of documents you can produce</a:t>
+            </a:r>
+          </a:p>
+        </p:txBody>
+      </p:sp>
+      <p:sp>
+        <p:nvSpPr>
+          <p:cNvPr id="5" name="TextBox 4"/>
           <p:cNvSpPr txBox="1"/>
           <p:nvPr/>
         </p:nvSpPr>
         <p:spPr>
           <a:xfrm>
-            <a:off x="852567" y="1847153"/>
-            <a:ext cx="7690862" cy="1754327"/>
+            <a:off x="1047257" y="2094726"/>
+            <a:ext cx="6506361" cy="3693319"/>
           </a:xfrm>
           <a:prstGeom prst="rect">
             <a:avLst/>
@@ -8817,65 +10548,123 @@
           </a:bodyPr>
           <a:lstStyle/>
           <a:p>
-            <a:pPr marL="342900" indent="-342900">
-              <a:buFont typeface="+mj-lt"/>
-              <a:buAutoNum type="arabicPeriod"/>
-            </a:pPr>
-            <a:r>
-              <a:rPr lang="en-US">
-                <a:hlinkClick r:id="rId2"/>
-              </a:rPr>
-              <a:t>http://www.kirchkamp.de/oekonometrie/pdf/wf-screen2.pdf</a:t>
-            </a:r>
-            <a:endParaRPr lang="en-US"/>
-          </a:p>
-          <a:p>
-            <a:pPr marL="342900" indent="-342900">
-              <a:buFont typeface="+mj-lt"/>
-              <a:buAutoNum type="arabicPeriod"/>
-            </a:pPr>
-            <a:r>
-              <a:rPr lang="en-US">
-                <a:hlinkClick r:id="rId3"/>
-              </a:rPr>
-              <a:t>http://nicercode.github.io/blog/2013-04-05-projects/</a:t>
-            </a:r>
-            <a:endParaRPr lang="en-US"/>
-          </a:p>
-          <a:p>
-            <a:pPr marL="342900" indent="-342900">
-              <a:buFont typeface="+mj-lt"/>
-              <a:buAutoNum type="arabicPeriod"/>
-            </a:pPr>
-            <a:r>
-              <a:rPr lang="en-US">
-                <a:hlinkClick r:id="rId4"/>
-              </a:rPr>
-              <a:t>http://journals.plos.org/ploscompbiol/article?id=10.1371/journal.pcbi.1000424</a:t>
-            </a:r>
-            <a:endParaRPr lang="en-US"/>
-          </a:p>
-          <a:p>
-            <a:pPr marL="342900" indent="-342900">
-              <a:buFont typeface="+mj-lt"/>
-              <a:buAutoNum type="arabicPeriod"/>
-            </a:pPr>
-            <a:r>
-              <a:rPr lang="en-US">
-                <a:hlinkClick r:id="rId5"/>
-              </a:rPr>
-              <a:t>http://www.carlboettiger.info/2012/05/06/research-workflow.html</a:t>
-            </a:r>
-            <a:endParaRPr lang="en-US"/>
-          </a:p>
-          <a:p>
-            <a:pPr marL="342900" indent="-342900">
-              <a:buFont typeface="+mj-lt"/>
-              <a:buAutoNum type="arabicPeriod"/>
-            </a:pPr>
-            <a:r>
-              <a:rPr lang="en-US"/>
-              <a:t>http://adv-r.had.co.nz/Introduction.html</a:t>
+            <a:pPr>
+              <a:buFont typeface="Arial"/>
+              <a:buChar char="•"/>
+            </a:pPr>
+            <a:r>
+              <a:rPr lang="en-US"/>
+              <a:t>Interactive interfaces between models and results</a:t>
+            </a:r>
+          </a:p>
+          <a:p>
+            <a:pPr lvl="1">
+              <a:buFont typeface="Arial"/>
+              <a:buChar char="•"/>
+            </a:pPr>
+            <a:r>
+              <a:rPr lang="en-US"/>
+              <a:t>Shiny</a:t>
+            </a:r>
+          </a:p>
+          <a:p>
+            <a:pPr>
+              <a:buFont typeface="Arial"/>
+              <a:buChar char="•"/>
+            </a:pPr>
+            <a:r>
+              <a:rPr lang="en-US"/>
+              <a:t>Dynamic reports</a:t>
+            </a:r>
+          </a:p>
+          <a:p>
+            <a:pPr lvl="1">
+              <a:buFont typeface="Arial"/>
+              <a:buChar char="•"/>
+            </a:pPr>
+            <a:r>
+              <a:rPr lang="en-US"/>
+              <a:t>Knitr = runs chunks of R code and appends results to parallel document</a:t>
+            </a:r>
+          </a:p>
+          <a:p>
+            <a:pPr lvl="1">
+              <a:buFont typeface="Arial"/>
+              <a:buChar char="•"/>
+            </a:pPr>
+            <a:r>
+              <a:rPr lang="en-US"/>
+              <a:t>Pandoc = converts  the program to new format</a:t>
+            </a:r>
+          </a:p>
+          <a:p>
+            <a:pPr lvl="2">
+              <a:buFont typeface="Arial"/>
+              <a:buChar char="•"/>
+            </a:pPr>
+            <a:r>
+              <a:rPr lang="en-US"/>
+              <a:t>Html</a:t>
+            </a:r>
+          </a:p>
+          <a:p>
+            <a:pPr lvl="2">
+              <a:buFont typeface="Arial"/>
+              <a:buChar char="•"/>
+            </a:pPr>
+            <a:r>
+              <a:rPr lang="en-US"/>
+              <a:t>PDF</a:t>
+            </a:r>
+          </a:p>
+          <a:p>
+            <a:pPr lvl="2">
+              <a:buFont typeface="Arial"/>
+              <a:buChar char="•"/>
+            </a:pPr>
+            <a:r>
+              <a:rPr lang="en-US"/>
+              <a:t>Word</a:t>
+            </a:r>
+          </a:p>
+          <a:p>
+            <a:pPr lvl="2">
+              <a:buFont typeface="Arial"/>
+              <a:buChar char="•"/>
+            </a:pPr>
+            <a:r>
+              <a:rPr lang="en-US"/>
+              <a:t>PDF slide show</a:t>
+            </a:r>
+          </a:p>
+          <a:p>
+            <a:pPr lvl="1">
+              <a:buFont typeface="Arial"/>
+              <a:buChar char="•"/>
+            </a:pPr>
+            <a:r>
+              <a:rPr lang="en-US"/>
+              <a:t>Sweave</a:t>
+            </a:r>
+          </a:p>
+          <a:p>
+            <a:pPr lvl="2">
+              <a:buFont typeface="Arial"/>
+              <a:buChar char="•"/>
+            </a:pPr>
+            <a:r>
+              <a:rPr lang="en-US"/>
+              <a:t>LaTeX </a:t>
+            </a:r>
+          </a:p>
+          <a:p>
+            <a:pPr lvl="2">
+              <a:buFont typeface="Arial"/>
+              <a:buChar char="•"/>
+            </a:pPr>
+            <a:r>
+              <a:rPr lang="en-US"/>
+              <a:t>LyX</a:t>
             </a:r>
           </a:p>
         </p:txBody>
@@ -9040,6 +10829,245 @@
       </p:par>
     </p:tnLst>
   </p:timing>
+</p:sld>
+</file>
+
+<file path=ppt/slides/slide30.xml><?xml version="1.0" encoding="utf-8"?>
+<p:sld xmlns:a="http://schemas.openxmlformats.org/drawingml/2006/main" xmlns:r="http://schemas.openxmlformats.org/officeDocument/2006/relationships" xmlns:mc="http://schemas.openxmlformats.org/markup-compatibility/2006" xmlns:mv="urn:schemas-microsoft-com:mac:vml" xmlns:p="http://schemas.openxmlformats.org/presentationml/2006/main" mc:Ignorable="mv" mc:PreserveAttributes="mv:*">
+  <p:cSld>
+    <p:spTree>
+      <p:nvGrpSpPr>
+        <p:cNvPr id="1" name=""/>
+        <p:cNvGrpSpPr/>
+        <p:nvPr/>
+      </p:nvGrpSpPr>
+      <p:grpSpPr>
+        <a:xfrm>
+          <a:off x="0" y="0"/>
+          <a:ext cx="0" cy="0"/>
+          <a:chOff x="0" y="0"/>
+          <a:chExt cx="0" cy="0"/>
+        </a:xfrm>
+      </p:grpSpPr>
+      <p:sp>
+        <p:nvSpPr>
+          <p:cNvPr id="2" name="Title 1"/>
+          <p:cNvSpPr>
+            <a:spLocks noGrp="1"/>
+          </p:cNvSpPr>
+          <p:nvPr>
+            <p:ph type="title"/>
+          </p:nvPr>
+        </p:nvSpPr>
+        <p:spPr/>
+        <p:txBody>
+          <a:bodyPr/>
+          <a:lstStyle/>
+          <a:p>
+            <a:r>
+              <a:rPr lang="en-US"/>
+              <a:t>RMarkdown</a:t>
+            </a:r>
+          </a:p>
+        </p:txBody>
+      </p:sp>
+    </p:spTree>
+  </p:cSld>
+  <p:clrMapOvr>
+    <a:masterClrMapping/>
+  </p:clrMapOvr>
+</p:sld>
+</file>
+
+<file path=ppt/slides/slide31.xml><?xml version="1.0" encoding="utf-8"?>
+<p:sld xmlns:a="http://schemas.openxmlformats.org/drawingml/2006/main" xmlns:r="http://schemas.openxmlformats.org/officeDocument/2006/relationships" xmlns:mc="http://schemas.openxmlformats.org/markup-compatibility/2006" xmlns:mv="urn:schemas-microsoft-com:mac:vml" xmlns:p="http://schemas.openxmlformats.org/presentationml/2006/main" mc:Ignorable="mv" mc:PreserveAttributes="mv:*">
+  <p:cSld>
+    <p:spTree>
+      <p:nvGrpSpPr>
+        <p:cNvPr id="1" name=""/>
+        <p:cNvGrpSpPr/>
+        <p:nvPr/>
+      </p:nvGrpSpPr>
+      <p:grpSpPr>
+        <a:xfrm>
+          <a:off x="0" y="0"/>
+          <a:ext cx="0" cy="0"/>
+          <a:chOff x="0" y="0"/>
+          <a:chExt cx="0" cy="0"/>
+        </a:xfrm>
+      </p:grpSpPr>
+      <p:sp>
+        <p:nvSpPr>
+          <p:cNvPr id="2" name="Title 1"/>
+          <p:cNvSpPr>
+            <a:spLocks noGrp="1"/>
+          </p:cNvSpPr>
+          <p:nvPr>
+            <p:ph type="title"/>
+          </p:nvPr>
+        </p:nvSpPr>
+        <p:spPr/>
+        <p:txBody>
+          <a:bodyPr/>
+          <a:lstStyle/>
+          <a:p>
+            <a:r>
+              <a:rPr lang="en-US"/>
+              <a:t>YAML</a:t>
+            </a:r>
+          </a:p>
+        </p:txBody>
+      </p:sp>
+    </p:spTree>
+  </p:cSld>
+  <p:clrMapOvr>
+    <a:masterClrMapping/>
+  </p:clrMapOvr>
+</p:sld>
+</file>
+
+<file path=ppt/slides/slide32.xml><?xml version="1.0" encoding="utf-8"?>
+<p:sld xmlns:a="http://schemas.openxmlformats.org/drawingml/2006/main" xmlns:r="http://schemas.openxmlformats.org/officeDocument/2006/relationships" xmlns:mc="http://schemas.openxmlformats.org/markup-compatibility/2006" xmlns:mv="urn:schemas-microsoft-com:mac:vml" xmlns:p="http://schemas.openxmlformats.org/presentationml/2006/main" mc:Ignorable="mv" mc:PreserveAttributes="mv:*">
+  <p:cSld>
+    <p:spTree>
+      <p:nvGrpSpPr>
+        <p:cNvPr id="1" name=""/>
+        <p:cNvGrpSpPr/>
+        <p:nvPr/>
+      </p:nvGrpSpPr>
+      <p:grpSpPr>
+        <a:xfrm>
+          <a:off x="0" y="0"/>
+          <a:ext cx="0" cy="0"/>
+          <a:chOff x="0" y="0"/>
+          <a:chExt cx="0" cy="0"/>
+        </a:xfrm>
+      </p:grpSpPr>
+      <p:sp>
+        <p:nvSpPr>
+          <p:cNvPr id="2" name="Title 1"/>
+          <p:cNvSpPr>
+            <a:spLocks noGrp="1"/>
+          </p:cNvSpPr>
+          <p:nvPr>
+            <p:ph type="title"/>
+          </p:nvPr>
+        </p:nvSpPr>
+        <p:spPr/>
+        <p:txBody>
+          <a:bodyPr/>
+          <a:lstStyle/>
+          <a:p>
+            <a:r>
+              <a:rPr lang="en-US"/>
+              <a:t>References</a:t>
+            </a:r>
+          </a:p>
+        </p:txBody>
+      </p:sp>
+      <p:sp>
+        <p:nvSpPr>
+          <p:cNvPr id="3" name="TextBox 2"/>
+          <p:cNvSpPr txBox="1"/>
+          <p:nvPr/>
+        </p:nvSpPr>
+        <p:spPr>
+          <a:xfrm>
+            <a:off x="852567" y="1847153"/>
+            <a:ext cx="7690862" cy="2308324"/>
+          </a:xfrm>
+          <a:prstGeom prst="rect">
+            <a:avLst/>
+          </a:prstGeom>
+          <a:noFill/>
+        </p:spPr>
+        <p:txBody>
+          <a:bodyPr wrap="square" rtlCol="0">
+            <a:spAutoFit/>
+          </a:bodyPr>
+          <a:lstStyle/>
+          <a:p>
+            <a:pPr marL="342900" indent="-342900">
+              <a:buFont typeface="+mj-lt"/>
+              <a:buAutoNum type="arabicPeriod"/>
+            </a:pPr>
+            <a:r>
+              <a:rPr lang="en-US">
+                <a:hlinkClick r:id="rId2"/>
+              </a:rPr>
+              <a:t>http://www.kirchkamp.de/oekonometrie/pdf/wf-screen2.pdf</a:t>
+            </a:r>
+            <a:endParaRPr lang="en-US"/>
+          </a:p>
+          <a:p>
+            <a:pPr marL="342900" indent="-342900">
+              <a:buFont typeface="+mj-lt"/>
+              <a:buAutoNum type="arabicPeriod"/>
+            </a:pPr>
+            <a:r>
+              <a:rPr lang="en-US">
+                <a:hlinkClick r:id="rId3"/>
+              </a:rPr>
+              <a:t>http://nicercode.github.io/blog/2013-04-05-projects/</a:t>
+            </a:r>
+            <a:endParaRPr lang="en-US"/>
+          </a:p>
+          <a:p>
+            <a:pPr marL="342900" indent="-342900">
+              <a:buFont typeface="+mj-lt"/>
+              <a:buAutoNum type="arabicPeriod"/>
+            </a:pPr>
+            <a:r>
+              <a:rPr lang="en-US">
+                <a:hlinkClick r:id="rId4"/>
+              </a:rPr>
+              <a:t>http://journals.plos.org/ploscompbiol/article?id=10.1371/journal.pcbi.1000424</a:t>
+            </a:r>
+            <a:endParaRPr lang="en-US"/>
+          </a:p>
+          <a:p>
+            <a:pPr marL="342900" indent="-342900">
+              <a:buFont typeface="+mj-lt"/>
+              <a:buAutoNum type="arabicPeriod"/>
+            </a:pPr>
+            <a:r>
+              <a:rPr lang="en-US">
+                <a:hlinkClick r:id="rId5"/>
+              </a:rPr>
+              <a:t>http://www.carlboettiger.info/2012/05/06/research-workflow.html</a:t>
+            </a:r>
+            <a:endParaRPr lang="en-US"/>
+          </a:p>
+          <a:p>
+            <a:pPr marL="342900" indent="-342900">
+              <a:buFont typeface="+mj-lt"/>
+              <a:buAutoNum type="arabicPeriod"/>
+            </a:pPr>
+            <a:r>
+              <a:rPr lang="en-US">
+                <a:hlinkClick r:id="rId6"/>
+              </a:rPr>
+              <a:t>http://adv-r.had.co.nz/Introduction.html</a:t>
+            </a:r>
+            <a:endParaRPr lang="en-US"/>
+          </a:p>
+          <a:p>
+            <a:pPr marL="342900" indent="-342900">
+              <a:buFont typeface="+mj-lt"/>
+              <a:buAutoNum type="arabicPeriod"/>
+            </a:pPr>
+            <a:r>
+              <a:rPr lang="en-US"/>
+              <a:t>https://cran.r-project.org/web/packages/rockchalk/vignettes/Rstyle.pdf</a:t>
+            </a:r>
+          </a:p>
+        </p:txBody>
+      </p:sp>
+    </p:spTree>
+  </p:cSld>
+  <p:clrMapOvr>
+    <a:masterClrMapping/>
+  </p:clrMapOvr>
 </p:sld>
 </file>
 
@@ -10181,6 +12209,59 @@
                       </p:childTnLst>
                     </p:cTn>
                   </p:par>
+                  <p:par>
+                    <p:cTn id="15" fill="hold">
+                      <p:stCondLst>
+                        <p:cond delay="indefinite"/>
+                      </p:stCondLst>
+                      <p:childTnLst>
+                        <p:par>
+                          <p:cTn id="16" fill="hold">
+                            <p:stCondLst>
+                              <p:cond delay="0"/>
+                            </p:stCondLst>
+                            <p:childTnLst>
+                              <p:par>
+                                <p:cTn id="17" presetID="10" presetClass="entr" presetSubtype="0" fill="hold" nodeType="clickEffect">
+                                  <p:stCondLst>
+                                    <p:cond delay="0"/>
+                                  </p:stCondLst>
+                                  <p:childTnLst>
+                                    <p:set>
+                                      <p:cBhvr>
+                                        <p:cTn id="18" dur="1" fill="hold">
+                                          <p:stCondLst>
+                                            <p:cond delay="0"/>
+                                          </p:stCondLst>
+                                        </p:cTn>
+                                        <p:tgtEl>
+                                          <p:spTgt spid="9"/>
+                                        </p:tgtEl>
+                                        <p:attrNameLst>
+                                          <p:attrName>style.visibility</p:attrName>
+                                        </p:attrNameLst>
+                                      </p:cBhvr>
+                                      <p:to>
+                                        <p:strVal val="visible"/>
+                                      </p:to>
+                                    </p:set>
+                                    <p:animEffect transition="in" filter="fade">
+                                      <p:cBhvr>
+                                        <p:cTn id="19" dur="2000"/>
+                                        <p:tgtEl>
+                                          <p:spTgt spid="9"/>
+                                        </p:tgtEl>
+                                      </p:cBhvr>
+                                    </p:animEffect>
+                                  </p:childTnLst>
+                                </p:cTn>
+                              </p:par>
+                            </p:childTnLst>
+                          </p:cTn>
+                        </p:par>
+                      </p:childTnLst>
+                    </p:cTn>
+                  </p:par>
                 </p:childTnLst>
               </p:cTn>
               <p:prevCondLst>
@@ -10253,8 +12334,8 @@
         </p:nvSpPr>
         <p:spPr>
           <a:xfrm>
-            <a:off x="217728" y="1720840"/>
-            <a:ext cx="5509631" cy="4339650"/>
+            <a:off x="1384548" y="1720840"/>
+            <a:ext cx="6391821" cy="4493538"/>
           </a:xfrm>
           <a:prstGeom prst="rect">
             <a:avLst/>
@@ -10338,8 +12419,15 @@
             </a:pPr>
             <a:r>
               <a:rPr lang="en-US" dirty="0"/>
-              <a:t>Undo specific edits without loosing all work that has been done previously</a:t>
-            </a:r>
+              <a:t>Undo specific edits without loosing all work that has been done previously </a:t>
+            </a:r>
+            <a:r>
+              <a:rPr lang="en-US" dirty="0">
+                <a:sym typeface="Wingdings"/>
+              </a:rPr>
+              <a:t> Encourages experimentation</a:t>
+            </a:r>
+            <a:endParaRPr lang="en-US" dirty="0"/>
           </a:p>
           <a:p>
             <a:pPr marL="800100" lvl="1" indent="-342900">
@@ -10371,6 +12459,24 @@
               <a:rPr lang="en-US" dirty="0"/>
               <a:t>At any point in time you can see who made what edits and when</a:t>
             </a:r>
+          </a:p>
+          <a:p>
+            <a:pPr marL="800100" lvl="1" indent="-342900">
+              <a:lnSpc>
+                <a:spcPct val="100000"/>
+              </a:lnSpc>
+              <a:spcAft>
+                <a:spcPts val="1200"/>
+              </a:spcAft>
+              <a:buSzPct val="80000"/>
+              <a:buFont typeface="Arial"/>
+              <a:buChar char="•"/>
+            </a:pPr>
+            <a:r>
+              <a:rPr lang="en-US" dirty="0"/>
+              <a:t>Facilitates backup</a:t>
+            </a:r>
+            <a:endParaRPr lang="en-US" dirty="0"/>
           </a:p>
         </p:txBody>
       </p:sp>
@@ -10470,7 +12576,7 @@
                     </a:outerShdw>
                   </a:effectLst>
                 </a:rPr>
-                <a:t>Maintainability</a:t>
+                <a:t>Reproducibility</a:t>
               </a:r>
               <a:endParaRPr lang="en-US" sz="2800" b="1">
                 <a:ln w="19050">
@@ -10591,6 +12697,59 @@
                                         <p:strVal val="visible"/>
                                       </p:to>
                                     </p:set>
+                                  </p:childTnLst>
+                                </p:cTn>
+                              </p:par>
+                            </p:childTnLst>
+                          </p:cTn>
+                        </p:par>
+                      </p:childTnLst>
+                    </p:cTn>
+                  </p:par>
+                  <p:par>
+                    <p:cTn id="11" fill="hold">
+                      <p:stCondLst>
+                        <p:cond delay="indefinite"/>
+                      </p:stCondLst>
+                      <p:childTnLst>
+                        <p:par>
+                          <p:cTn id="12" fill="hold">
+                            <p:stCondLst>
+                              <p:cond delay="0"/>
+                            </p:stCondLst>
+                            <p:childTnLst>
+                              <p:par>
+                                <p:cTn id="13" presetID="10" presetClass="entr" presetSubtype="0" fill="hold" nodeType="clickEffect">
+                                  <p:stCondLst>
+                                    <p:cond delay="0"/>
+                                  </p:stCondLst>
+                                  <p:childTnLst>
+                                    <p:set>
+                                      <p:cBhvr>
+                                        <p:cTn id="14" dur="1" fill="hold">
+                                          <p:stCondLst>
+                                            <p:cond delay="0"/>
+                                          </p:stCondLst>
+                                        </p:cTn>
+                                        <p:tgtEl>
+                                          <p:spTgt spid="7"/>
+                                        </p:tgtEl>
+                                        <p:attrNameLst>
+                                          <p:attrName>style.visibility</p:attrName>
+                                        </p:attrNameLst>
+                                      </p:cBhvr>
+                                      <p:to>
+                                        <p:strVal val="visible"/>
+                                      </p:to>
+                                    </p:set>
+                                    <p:animEffect transition="in" filter="fade">
+                                      <p:cBhvr>
+                                        <p:cTn id="15" dur="2000"/>
+                                        <p:tgtEl>
+                                          <p:spTgt spid="7"/>
+                                        </p:tgtEl>
+                                      </p:cBhvr>
+                                    </p:animEffect>
                                   </p:childTnLst>
                                 </p:cTn>
                               </p:par>
